--- a/高级/04 实训教学ppt/00 项目介绍.pptx
+++ b/高级/04 实训教学ppt/00 项目介绍.pptx
@@ -5,7 +5,7 @@
     <p:sldMasterId id="2147483648" r:id="rId1"/>
   </p:sldMasterIdLst>
   <p:notesMasterIdLst>
-    <p:notesMasterId r:id="rId35"/>
+    <p:notesMasterId r:id="rId33"/>
   </p:notesMasterIdLst>
   <p:sldIdLst>
     <p:sldId id="258" r:id="rId2"/>
@@ -19,28 +19,26 @@
     <p:sldId id="273" r:id="rId10"/>
     <p:sldId id="272" r:id="rId11"/>
     <p:sldId id="274" r:id="rId12"/>
-    <p:sldId id="293" r:id="rId13"/>
-    <p:sldId id="275" r:id="rId14"/>
+    <p:sldId id="307" r:id="rId13"/>
+    <p:sldId id="293" r:id="rId14"/>
     <p:sldId id="292" r:id="rId15"/>
-    <p:sldId id="276" r:id="rId16"/>
-    <p:sldId id="287" r:id="rId17"/>
-    <p:sldId id="277" r:id="rId18"/>
-    <p:sldId id="278" r:id="rId19"/>
-    <p:sldId id="279" r:id="rId20"/>
-    <p:sldId id="294" r:id="rId21"/>
-    <p:sldId id="295" r:id="rId22"/>
-    <p:sldId id="280" r:id="rId23"/>
-    <p:sldId id="296" r:id="rId24"/>
-    <p:sldId id="297" r:id="rId25"/>
-    <p:sldId id="298" r:id="rId26"/>
-    <p:sldId id="299" r:id="rId27"/>
-    <p:sldId id="300" r:id="rId28"/>
-    <p:sldId id="301" r:id="rId29"/>
-    <p:sldId id="302" r:id="rId30"/>
-    <p:sldId id="303" r:id="rId31"/>
-    <p:sldId id="304" r:id="rId32"/>
-    <p:sldId id="305" r:id="rId33"/>
-    <p:sldId id="286" r:id="rId34"/>
+    <p:sldId id="277" r:id="rId16"/>
+    <p:sldId id="278" r:id="rId17"/>
+    <p:sldId id="279" r:id="rId18"/>
+    <p:sldId id="294" r:id="rId19"/>
+    <p:sldId id="295" r:id="rId20"/>
+    <p:sldId id="280" r:id="rId21"/>
+    <p:sldId id="296" r:id="rId22"/>
+    <p:sldId id="297" r:id="rId23"/>
+    <p:sldId id="298" r:id="rId24"/>
+    <p:sldId id="299" r:id="rId25"/>
+    <p:sldId id="300" r:id="rId26"/>
+    <p:sldId id="301" r:id="rId27"/>
+    <p:sldId id="302" r:id="rId28"/>
+    <p:sldId id="303" r:id="rId29"/>
+    <p:sldId id="304" r:id="rId30"/>
+    <p:sldId id="305" r:id="rId31"/>
+    <p:sldId id="286" r:id="rId32"/>
   </p:sldIdLst>
   <p:sldSz cx="12192000" cy="6858000"/>
   <p:notesSz cx="6858000" cy="9144000"/>
@@ -229,7 +227,7 @@
           <a:p>
             <a:fld id="{133A09A0-22A7-4AB7-9966-349EE815AC9A}" type="datetimeFigureOut">
               <a:rPr lang="zh-CN" altLang="en-US" smtClean="0"/>
-              <a:t>2019/6/13</a:t>
+              <a:t>2019/6/25</a:t>
             </a:fld>
             <a:endParaRPr lang="zh-CN" altLang="en-US"/>
           </a:p>
@@ -741,7 +739,7 @@
     </p:spTree>
     <p:extLst>
       <p:ext uri="{BB962C8B-B14F-4D97-AF65-F5344CB8AC3E}">
-        <p14:creationId xmlns:p14="http://schemas.microsoft.com/office/powerpoint/2010/main" val="1544086034"/>
+        <p14:creationId xmlns:p14="http://schemas.microsoft.com/office/powerpoint/2010/main" val="1411298805"/>
       </p:ext>
     </p:extLst>
   </p:cSld>
@@ -826,7 +824,7 @@
     </p:spTree>
     <p:extLst>
       <p:ext uri="{BB962C8B-B14F-4D97-AF65-F5344CB8AC3E}">
-        <p14:creationId xmlns:p14="http://schemas.microsoft.com/office/powerpoint/2010/main" val="1273267570"/>
+        <p14:creationId xmlns:p14="http://schemas.microsoft.com/office/powerpoint/2010/main" val="1544086034"/>
       </p:ext>
     </p:extLst>
   </p:cSld>
@@ -996,7 +994,7 @@
     </p:spTree>
     <p:extLst>
       <p:ext uri="{BB962C8B-B14F-4D97-AF65-F5344CB8AC3E}">
-        <p14:creationId xmlns:p14="http://schemas.microsoft.com/office/powerpoint/2010/main" val="1142337944"/>
+        <p14:creationId xmlns:p14="http://schemas.microsoft.com/office/powerpoint/2010/main" val="343063184"/>
       </p:ext>
     </p:extLst>
   </p:cSld>
@@ -1081,7 +1079,7 @@
     </p:spTree>
     <p:extLst>
       <p:ext uri="{BB962C8B-B14F-4D97-AF65-F5344CB8AC3E}">
-        <p14:creationId xmlns:p14="http://schemas.microsoft.com/office/powerpoint/2010/main" val="1732301194"/>
+        <p14:creationId xmlns:p14="http://schemas.microsoft.com/office/powerpoint/2010/main" val="2603464126"/>
       </p:ext>
     </p:extLst>
   </p:cSld>
@@ -1166,7 +1164,7 @@
     </p:spTree>
     <p:extLst>
       <p:ext uri="{BB962C8B-B14F-4D97-AF65-F5344CB8AC3E}">
-        <p14:creationId xmlns:p14="http://schemas.microsoft.com/office/powerpoint/2010/main" val="343063184"/>
+        <p14:creationId xmlns:p14="http://schemas.microsoft.com/office/powerpoint/2010/main" val="1737551881"/>
       </p:ext>
     </p:extLst>
   </p:cSld>
@@ -1251,7 +1249,7 @@
     </p:spTree>
     <p:extLst>
       <p:ext uri="{BB962C8B-B14F-4D97-AF65-F5344CB8AC3E}">
-        <p14:creationId xmlns:p14="http://schemas.microsoft.com/office/powerpoint/2010/main" val="2603464126"/>
+        <p14:creationId xmlns:p14="http://schemas.microsoft.com/office/powerpoint/2010/main" val="1086652243"/>
       </p:ext>
     </p:extLst>
   </p:cSld>
@@ -1336,7 +1334,7 @@
     </p:spTree>
     <p:extLst>
       <p:ext uri="{BB962C8B-B14F-4D97-AF65-F5344CB8AC3E}">
-        <p14:creationId xmlns:p14="http://schemas.microsoft.com/office/powerpoint/2010/main" val="1737551881"/>
+        <p14:creationId xmlns:p14="http://schemas.microsoft.com/office/powerpoint/2010/main" val="262241996"/>
       </p:ext>
     </p:extLst>
   </p:cSld>
@@ -1421,7 +1419,7 @@
     </p:spTree>
     <p:extLst>
       <p:ext uri="{BB962C8B-B14F-4D97-AF65-F5344CB8AC3E}">
-        <p14:creationId xmlns:p14="http://schemas.microsoft.com/office/powerpoint/2010/main" val="1086652243"/>
+        <p14:creationId xmlns:p14="http://schemas.microsoft.com/office/powerpoint/2010/main" val="4035779723"/>
       </p:ext>
     </p:extLst>
   </p:cSld>
@@ -1591,7 +1589,7 @@
     </p:spTree>
     <p:extLst>
       <p:ext uri="{BB962C8B-B14F-4D97-AF65-F5344CB8AC3E}">
-        <p14:creationId xmlns:p14="http://schemas.microsoft.com/office/powerpoint/2010/main" val="262241996"/>
+        <p14:creationId xmlns:p14="http://schemas.microsoft.com/office/powerpoint/2010/main" val="3819943888"/>
       </p:ext>
     </p:extLst>
   </p:cSld>
@@ -1676,7 +1674,7 @@
     </p:spTree>
     <p:extLst>
       <p:ext uri="{BB962C8B-B14F-4D97-AF65-F5344CB8AC3E}">
-        <p14:creationId xmlns:p14="http://schemas.microsoft.com/office/powerpoint/2010/main" val="4035779723"/>
+        <p14:creationId xmlns:p14="http://schemas.microsoft.com/office/powerpoint/2010/main" val="4094010279"/>
       </p:ext>
     </p:extLst>
   </p:cSld>
@@ -1761,7 +1759,7 @@
     </p:spTree>
     <p:extLst>
       <p:ext uri="{BB962C8B-B14F-4D97-AF65-F5344CB8AC3E}">
-        <p14:creationId xmlns:p14="http://schemas.microsoft.com/office/powerpoint/2010/main" val="3819943888"/>
+        <p14:creationId xmlns:p14="http://schemas.microsoft.com/office/powerpoint/2010/main" val="3383526912"/>
       </p:ext>
     </p:extLst>
   </p:cSld>
@@ -1846,7 +1844,7 @@
     </p:spTree>
     <p:extLst>
       <p:ext uri="{BB962C8B-B14F-4D97-AF65-F5344CB8AC3E}">
-        <p14:creationId xmlns:p14="http://schemas.microsoft.com/office/powerpoint/2010/main" val="4094010279"/>
+        <p14:creationId xmlns:p14="http://schemas.microsoft.com/office/powerpoint/2010/main" val="4119248180"/>
       </p:ext>
     </p:extLst>
   </p:cSld>
@@ -1931,7 +1929,7 @@
     </p:spTree>
     <p:extLst>
       <p:ext uri="{BB962C8B-B14F-4D97-AF65-F5344CB8AC3E}">
-        <p14:creationId xmlns:p14="http://schemas.microsoft.com/office/powerpoint/2010/main" val="3383526912"/>
+        <p14:creationId xmlns:p14="http://schemas.microsoft.com/office/powerpoint/2010/main" val="4017351712"/>
       </p:ext>
     </p:extLst>
   </p:cSld>
@@ -2016,7 +2014,7 @@
     </p:spTree>
     <p:extLst>
       <p:ext uri="{BB962C8B-B14F-4D97-AF65-F5344CB8AC3E}">
-        <p14:creationId xmlns:p14="http://schemas.microsoft.com/office/powerpoint/2010/main" val="4119248180"/>
+        <p14:creationId xmlns:p14="http://schemas.microsoft.com/office/powerpoint/2010/main" val="1419797620"/>
       </p:ext>
     </p:extLst>
   </p:cSld>
@@ -2101,7 +2099,7 @@
     </p:spTree>
     <p:extLst>
       <p:ext uri="{BB962C8B-B14F-4D97-AF65-F5344CB8AC3E}">
-        <p14:creationId xmlns:p14="http://schemas.microsoft.com/office/powerpoint/2010/main" val="4017351712"/>
+        <p14:creationId xmlns:p14="http://schemas.microsoft.com/office/powerpoint/2010/main" val="2108665188"/>
       </p:ext>
     </p:extLst>
   </p:cSld>
@@ -2186,7 +2184,7 @@
     </p:spTree>
     <p:extLst>
       <p:ext uri="{BB962C8B-B14F-4D97-AF65-F5344CB8AC3E}">
-        <p14:creationId xmlns:p14="http://schemas.microsoft.com/office/powerpoint/2010/main" val="1419797620"/>
+        <p14:creationId xmlns:p14="http://schemas.microsoft.com/office/powerpoint/2010/main" val="4169752247"/>
       </p:ext>
     </p:extLst>
   </p:cSld>
@@ -2271,7 +2269,7 @@
     </p:spTree>
     <p:extLst>
       <p:ext uri="{BB962C8B-B14F-4D97-AF65-F5344CB8AC3E}">
-        <p14:creationId xmlns:p14="http://schemas.microsoft.com/office/powerpoint/2010/main" val="2108665188"/>
+        <p14:creationId xmlns:p14="http://schemas.microsoft.com/office/powerpoint/2010/main" val="509834915"/>
       </p:ext>
     </p:extLst>
   </p:cSld>
@@ -2356,7 +2354,7 @@
     </p:spTree>
     <p:extLst>
       <p:ext uri="{BB962C8B-B14F-4D97-AF65-F5344CB8AC3E}">
-        <p14:creationId xmlns:p14="http://schemas.microsoft.com/office/powerpoint/2010/main" val="4169752247"/>
+        <p14:creationId xmlns:p14="http://schemas.microsoft.com/office/powerpoint/2010/main" val="3679220962"/>
       </p:ext>
     </p:extLst>
   </p:cSld>
@@ -2518,176 +2516,6 @@
               <a:rPr lang="zh-CN" altLang="en-US" smtClean="0"/>
               <a:pPr/>
               <a:t>31</a:t>
-            </a:fld>
-            <a:endParaRPr lang="zh-CN" altLang="en-US"/>
-          </a:p>
-        </p:txBody>
-      </p:sp>
-    </p:spTree>
-    <p:extLst>
-      <p:ext uri="{BB962C8B-B14F-4D97-AF65-F5344CB8AC3E}">
-        <p14:creationId xmlns:p14="http://schemas.microsoft.com/office/powerpoint/2010/main" val="509834915"/>
-      </p:ext>
-    </p:extLst>
-  </p:cSld>
-  <p:clrMapOvr>
-    <a:masterClrMapping/>
-  </p:clrMapOvr>
-</p:notes>
-</file>
-
-<file path=ppt/notesSlides/notesSlide31.xml><?xml version="1.0" encoding="utf-8"?>
-<p:notes xmlns:a="http://schemas.openxmlformats.org/drawingml/2006/main" xmlns:r="http://schemas.openxmlformats.org/officeDocument/2006/relationships" xmlns:p="http://schemas.openxmlformats.org/presentationml/2006/main">
-  <p:cSld>
-    <p:spTree>
-      <p:nvGrpSpPr>
-        <p:cNvPr id="1" name=""/>
-        <p:cNvGrpSpPr/>
-        <p:nvPr/>
-      </p:nvGrpSpPr>
-      <p:grpSpPr>
-        <a:xfrm>
-          <a:off x="0" y="0"/>
-          <a:ext cx="0" cy="0"/>
-          <a:chOff x="0" y="0"/>
-          <a:chExt cx="0" cy="0"/>
-        </a:xfrm>
-      </p:grpSpPr>
-      <p:sp>
-        <p:nvSpPr>
-          <p:cNvPr id="2" name="幻灯片图像占位符 1"/>
-          <p:cNvSpPr>
-            <a:spLocks noGrp="1" noRot="1" noChangeAspect="1"/>
-          </p:cNvSpPr>
-          <p:nvPr>
-            <p:ph type="sldImg"/>
-          </p:nvPr>
-        </p:nvSpPr>
-        <p:spPr/>
-      </p:sp>
-      <p:sp>
-        <p:nvSpPr>
-          <p:cNvPr id="3" name="备注占位符 2"/>
-          <p:cNvSpPr>
-            <a:spLocks noGrp="1"/>
-          </p:cNvSpPr>
-          <p:nvPr>
-            <p:ph type="body" idx="1"/>
-          </p:nvPr>
-        </p:nvSpPr>
-        <p:spPr/>
-        <p:txBody>
-          <a:bodyPr/>
-          <a:lstStyle/>
-          <a:p>
-            <a:endParaRPr lang="zh-CN" altLang="en-US"/>
-          </a:p>
-        </p:txBody>
-      </p:sp>
-      <p:sp>
-        <p:nvSpPr>
-          <p:cNvPr id="4" name="灯片编号占位符 3"/>
-          <p:cNvSpPr>
-            <a:spLocks noGrp="1"/>
-          </p:cNvSpPr>
-          <p:nvPr>
-            <p:ph type="sldNum" sz="quarter" idx="10"/>
-          </p:nvPr>
-        </p:nvSpPr>
-        <p:spPr/>
-        <p:txBody>
-          <a:bodyPr/>
-          <a:lstStyle/>
-          <a:p>
-            <a:fld id="{9E3BE65E-D6A0-433A-9769-180C0D5DD83D}" type="slidenum">
-              <a:rPr lang="zh-CN" altLang="en-US" smtClean="0"/>
-              <a:pPr/>
-              <a:t>32</a:t>
-            </a:fld>
-            <a:endParaRPr lang="zh-CN" altLang="en-US"/>
-          </a:p>
-        </p:txBody>
-      </p:sp>
-    </p:spTree>
-    <p:extLst>
-      <p:ext uri="{BB962C8B-B14F-4D97-AF65-F5344CB8AC3E}">
-        <p14:creationId xmlns:p14="http://schemas.microsoft.com/office/powerpoint/2010/main" val="3679220962"/>
-      </p:ext>
-    </p:extLst>
-  </p:cSld>
-  <p:clrMapOvr>
-    <a:masterClrMapping/>
-  </p:clrMapOvr>
-</p:notes>
-</file>
-
-<file path=ppt/notesSlides/notesSlide32.xml><?xml version="1.0" encoding="utf-8"?>
-<p:notes xmlns:a="http://schemas.openxmlformats.org/drawingml/2006/main" xmlns:r="http://schemas.openxmlformats.org/officeDocument/2006/relationships" xmlns:p="http://schemas.openxmlformats.org/presentationml/2006/main">
-  <p:cSld>
-    <p:spTree>
-      <p:nvGrpSpPr>
-        <p:cNvPr id="1" name=""/>
-        <p:cNvGrpSpPr/>
-        <p:nvPr/>
-      </p:nvGrpSpPr>
-      <p:grpSpPr>
-        <a:xfrm>
-          <a:off x="0" y="0"/>
-          <a:ext cx="0" cy="0"/>
-          <a:chOff x="0" y="0"/>
-          <a:chExt cx="0" cy="0"/>
-        </a:xfrm>
-      </p:grpSpPr>
-      <p:sp>
-        <p:nvSpPr>
-          <p:cNvPr id="2" name="幻灯片图像占位符 1"/>
-          <p:cNvSpPr>
-            <a:spLocks noGrp="1" noRot="1" noChangeAspect="1"/>
-          </p:cNvSpPr>
-          <p:nvPr>
-            <p:ph type="sldImg"/>
-          </p:nvPr>
-        </p:nvSpPr>
-        <p:spPr/>
-      </p:sp>
-      <p:sp>
-        <p:nvSpPr>
-          <p:cNvPr id="3" name="备注占位符 2"/>
-          <p:cNvSpPr>
-            <a:spLocks noGrp="1"/>
-          </p:cNvSpPr>
-          <p:nvPr>
-            <p:ph type="body" idx="1"/>
-          </p:nvPr>
-        </p:nvSpPr>
-        <p:spPr/>
-        <p:txBody>
-          <a:bodyPr/>
-          <a:lstStyle/>
-          <a:p>
-            <a:endParaRPr lang="zh-CN" altLang="en-US"/>
-          </a:p>
-        </p:txBody>
-      </p:sp>
-      <p:sp>
-        <p:nvSpPr>
-          <p:cNvPr id="4" name="灯片编号占位符 3"/>
-          <p:cNvSpPr>
-            <a:spLocks noGrp="1"/>
-          </p:cNvSpPr>
-          <p:nvPr>
-            <p:ph type="sldNum" sz="quarter" idx="10"/>
-          </p:nvPr>
-        </p:nvSpPr>
-        <p:spPr/>
-        <p:txBody>
-          <a:bodyPr/>
-          <a:lstStyle/>
-          <a:p>
-            <a:fld id="{9E3BE65E-D6A0-433A-9769-180C0D5DD83D}" type="slidenum">
-              <a:rPr lang="zh-CN" altLang="en-US" smtClean="0"/>
-              <a:pPr/>
-              <a:t>33</a:t>
             </a:fld>
             <a:endParaRPr lang="zh-CN" altLang="en-US"/>
           </a:p>
@@ -3363,7 +3191,7 @@
           <a:p>
             <a:fld id="{604E12D8-2A59-4235-8FCA-3933E01027FF}" type="datetimeFigureOut">
               <a:rPr lang="zh-CN" altLang="en-US" smtClean="0"/>
-              <a:t>2019/6/13</a:t>
+              <a:t>2019/6/25</a:t>
             </a:fld>
             <a:endParaRPr lang="zh-CN" altLang="en-US"/>
           </a:p>
@@ -3561,7 +3389,7 @@
           <a:p>
             <a:fld id="{604E12D8-2A59-4235-8FCA-3933E01027FF}" type="datetimeFigureOut">
               <a:rPr lang="zh-CN" altLang="en-US" smtClean="0"/>
-              <a:t>2019/6/13</a:t>
+              <a:t>2019/6/25</a:t>
             </a:fld>
             <a:endParaRPr lang="zh-CN" altLang="en-US"/>
           </a:p>
@@ -3769,7 +3597,7 @@
           <a:p>
             <a:fld id="{604E12D8-2A59-4235-8FCA-3933E01027FF}" type="datetimeFigureOut">
               <a:rPr lang="zh-CN" altLang="en-US" smtClean="0"/>
-              <a:t>2019/6/13</a:t>
+              <a:t>2019/6/25</a:t>
             </a:fld>
             <a:endParaRPr lang="zh-CN" altLang="en-US"/>
           </a:p>
@@ -3967,7 +3795,7 @@
           <a:p>
             <a:fld id="{604E12D8-2A59-4235-8FCA-3933E01027FF}" type="datetimeFigureOut">
               <a:rPr lang="zh-CN" altLang="en-US" smtClean="0"/>
-              <a:t>2019/6/13</a:t>
+              <a:t>2019/6/25</a:t>
             </a:fld>
             <a:endParaRPr lang="zh-CN" altLang="en-US"/>
           </a:p>
@@ -4242,7 +4070,7 @@
           <a:p>
             <a:fld id="{604E12D8-2A59-4235-8FCA-3933E01027FF}" type="datetimeFigureOut">
               <a:rPr lang="zh-CN" altLang="en-US" smtClean="0"/>
-              <a:t>2019/6/13</a:t>
+              <a:t>2019/6/25</a:t>
             </a:fld>
             <a:endParaRPr lang="zh-CN" altLang="en-US"/>
           </a:p>
@@ -4507,7 +4335,7 @@
           <a:p>
             <a:fld id="{604E12D8-2A59-4235-8FCA-3933E01027FF}" type="datetimeFigureOut">
               <a:rPr lang="zh-CN" altLang="en-US" smtClean="0"/>
-              <a:t>2019/6/13</a:t>
+              <a:t>2019/6/25</a:t>
             </a:fld>
             <a:endParaRPr lang="zh-CN" altLang="en-US"/>
           </a:p>
@@ -4919,7 +4747,7 @@
           <a:p>
             <a:fld id="{604E12D8-2A59-4235-8FCA-3933E01027FF}" type="datetimeFigureOut">
               <a:rPr lang="zh-CN" altLang="en-US" smtClean="0"/>
-              <a:t>2019/6/13</a:t>
+              <a:t>2019/6/25</a:t>
             </a:fld>
             <a:endParaRPr lang="zh-CN" altLang="en-US"/>
           </a:p>
@@ -5060,7 +4888,7 @@
           <a:p>
             <a:fld id="{604E12D8-2A59-4235-8FCA-3933E01027FF}" type="datetimeFigureOut">
               <a:rPr lang="zh-CN" altLang="en-US" smtClean="0"/>
-              <a:t>2019/6/13</a:t>
+              <a:t>2019/6/25</a:t>
             </a:fld>
             <a:endParaRPr lang="zh-CN" altLang="en-US"/>
           </a:p>
@@ -5173,7 +5001,7 @@
           <a:p>
             <a:fld id="{604E12D8-2A59-4235-8FCA-3933E01027FF}" type="datetimeFigureOut">
               <a:rPr lang="zh-CN" altLang="en-US" smtClean="0"/>
-              <a:t>2019/6/13</a:t>
+              <a:t>2019/6/25</a:t>
             </a:fld>
             <a:endParaRPr lang="zh-CN" altLang="en-US"/>
           </a:p>
@@ -5484,7 +5312,7 @@
           <a:p>
             <a:fld id="{604E12D8-2A59-4235-8FCA-3933E01027FF}" type="datetimeFigureOut">
               <a:rPr lang="zh-CN" altLang="en-US" smtClean="0"/>
-              <a:t>2019/6/13</a:t>
+              <a:t>2019/6/25</a:t>
             </a:fld>
             <a:endParaRPr lang="zh-CN" altLang="en-US"/>
           </a:p>
@@ -5772,7 +5600,7 @@
           <a:p>
             <a:fld id="{604E12D8-2A59-4235-8FCA-3933E01027FF}" type="datetimeFigureOut">
               <a:rPr lang="zh-CN" altLang="en-US" smtClean="0"/>
-              <a:t>2019/6/13</a:t>
+              <a:t>2019/6/25</a:t>
             </a:fld>
             <a:endParaRPr lang="zh-CN" altLang="en-US"/>
           </a:p>
@@ -6013,7 +5841,7 @@
           <a:p>
             <a:fld id="{604E12D8-2A59-4235-8FCA-3933E01027FF}" type="datetimeFigureOut">
               <a:rPr lang="zh-CN" altLang="en-US" smtClean="0"/>
-              <a:t>2019/6/13</a:t>
+              <a:t>2019/6/25</a:t>
             </a:fld>
             <a:endParaRPr lang="zh-CN" altLang="en-US"/>
           </a:p>
@@ -7761,7 +7589,7 @@
                 <a:latin typeface="微软雅黑" panose="020B0503020204020204" pitchFamily="34" charset="-122"/>
                 <a:ea typeface="微软雅黑" panose="020B0503020204020204" pitchFamily="34" charset="-122"/>
               </a:rPr>
-              <a:t>小说详情功能</a:t>
+              <a:t>小说分类列表功能</a:t>
             </a:r>
             <a:endParaRPr lang="zh-CN" altLang="en-US" sz="3200" b="1" dirty="0">
               <a:solidFill>
@@ -7856,7 +7684,7 @@
         <p:spPr>
           <a:xfrm>
             <a:off x="370031" y="2468789"/>
-            <a:ext cx="5624597" cy="1708160"/>
+            <a:ext cx="5624597" cy="2246769"/>
           </a:xfrm>
           <a:prstGeom prst="rect">
             <a:avLst/>
@@ -7886,7 +7714,7 @@
                 <a:ea typeface="Lantinghei SC Demibold" charset="-122"/>
                 <a:cs typeface="Lantinghei SC Demibold" charset="-122"/>
               </a:rPr>
-              <a:t>小说详情功能</a:t>
+              <a:t>小说分类列表功能</a:t>
             </a:r>
             <a:endParaRPr lang="en-US" altLang="zh-CN" sz="2000" b="1" dirty="0" smtClean="0">
               <a:latin typeface="Lantinghei SC Demibold" charset="-122"/>
@@ -7912,7 +7740,15 @@
                 <a:ea typeface="Lantinghei SC Demibold" charset="-122"/>
                 <a:cs typeface="Lantinghei SC Demibold" charset="-122"/>
               </a:rPr>
-              <a:t>小说详情功能主要用于展示各类型下的小说</a:t>
+              <a:t>小说分类列表功能</a:t>
+            </a:r>
+            <a:r>
+              <a:rPr lang="zh-CN" altLang="en-US" sz="2000" dirty="0" smtClean="0">
+                <a:latin typeface="Lantinghei SC Demibold" charset="-122"/>
+                <a:ea typeface="Lantinghei SC Demibold" charset="-122"/>
+                <a:cs typeface="Lantinghei SC Demibold" charset="-122"/>
+              </a:rPr>
+              <a:t>主要用于展示各类型下的小说</a:t>
             </a:r>
             <a:r>
               <a:rPr lang="en-US" altLang="zh-CN" sz="2000" dirty="0" smtClean="0">
@@ -7928,7 +7764,15 @@
                 <a:ea typeface="Lantinghei SC Demibold" charset="-122"/>
                 <a:cs typeface="Lantinghei SC Demibold" charset="-122"/>
               </a:rPr>
-              <a:t>其其中包括热门</a:t>
+              <a:t>其中</a:t>
+            </a:r>
+            <a:r>
+              <a:rPr lang="zh-CN" altLang="en-US" sz="2000" dirty="0" smtClean="0">
+                <a:latin typeface="Lantinghei SC Demibold" charset="-122"/>
+                <a:ea typeface="Lantinghei SC Demibold" charset="-122"/>
+                <a:cs typeface="Lantinghei SC Demibold" charset="-122"/>
+              </a:rPr>
+              <a:t>包括热门</a:t>
             </a:r>
             <a:r>
               <a:rPr lang="en-US" altLang="zh-CN" sz="2000" dirty="0" smtClean="0">
@@ -7976,7 +7820,79 @@
                 <a:ea typeface="Lantinghei SC Demibold" charset="-122"/>
                 <a:cs typeface="Lantinghei SC Demibold" charset="-122"/>
               </a:rPr>
-              <a:t>完结等等。</a:t>
+              <a:t>完结</a:t>
+            </a:r>
+            <a:r>
+              <a:rPr lang="en-US" altLang="zh-CN" sz="2000" dirty="0" smtClean="0">
+                <a:latin typeface="Lantinghei SC Demibold" charset="-122"/>
+                <a:ea typeface="Lantinghei SC Demibold" charset="-122"/>
+                <a:cs typeface="Lantinghei SC Demibold" charset="-122"/>
+              </a:rPr>
+              <a:t>,</a:t>
+            </a:r>
+            <a:r>
+              <a:rPr lang="zh-CN" altLang="en-US" sz="2000" dirty="0" smtClean="0">
+                <a:latin typeface="Lantinghei SC Demibold" charset="-122"/>
+                <a:ea typeface="Lantinghei SC Demibold" charset="-122"/>
+                <a:cs typeface="Lantinghei SC Demibold" charset="-122"/>
+              </a:rPr>
+              <a:t>周榜</a:t>
+            </a:r>
+            <a:r>
+              <a:rPr lang="en-US" altLang="zh-CN" sz="2000" dirty="0" smtClean="0">
+                <a:latin typeface="Lantinghei SC Demibold" charset="-122"/>
+                <a:ea typeface="Lantinghei SC Demibold" charset="-122"/>
+                <a:cs typeface="Lantinghei SC Demibold" charset="-122"/>
+              </a:rPr>
+              <a:t>,</a:t>
+            </a:r>
+            <a:r>
+              <a:rPr lang="zh-CN" altLang="en-US" sz="2000" dirty="0">
+                <a:latin typeface="Lantinghei SC Demibold" charset="-122"/>
+                <a:ea typeface="Lantinghei SC Demibold" charset="-122"/>
+                <a:cs typeface="Lantinghei SC Demibold" charset="-122"/>
+              </a:rPr>
+              <a:t>月</a:t>
+            </a:r>
+            <a:r>
+              <a:rPr lang="zh-CN" altLang="en-US" sz="2000" dirty="0" smtClean="0">
+                <a:latin typeface="Lantinghei SC Demibold" charset="-122"/>
+                <a:ea typeface="Lantinghei SC Demibold" charset="-122"/>
+                <a:cs typeface="Lantinghei SC Demibold" charset="-122"/>
+              </a:rPr>
+              <a:t>榜</a:t>
+            </a:r>
+            <a:r>
+              <a:rPr lang="en-US" altLang="zh-CN" sz="2000" dirty="0" smtClean="0">
+                <a:latin typeface="Lantinghei SC Demibold" charset="-122"/>
+                <a:ea typeface="Lantinghei SC Demibold" charset="-122"/>
+                <a:cs typeface="Lantinghei SC Demibold" charset="-122"/>
+              </a:rPr>
+              <a:t>,</a:t>
+            </a:r>
+            <a:r>
+              <a:rPr lang="zh-CN" altLang="en-US" sz="2000" dirty="0" smtClean="0">
+                <a:latin typeface="Lantinghei SC Demibold" charset="-122"/>
+                <a:ea typeface="Lantinghei SC Demibold" charset="-122"/>
+                <a:cs typeface="Lantinghei SC Demibold" charset="-122"/>
+              </a:rPr>
+              <a:t>总榜</a:t>
+            </a:r>
+            <a:r>
+              <a:rPr lang="zh-CN" altLang="en-US" sz="2000" dirty="0" smtClean="0">
+                <a:latin typeface="Lantinghei SC Demibold" charset="-122"/>
+                <a:ea typeface="Lantinghei SC Demibold" charset="-122"/>
+                <a:cs typeface="Lantinghei SC Demibold" charset="-122"/>
+              </a:rPr>
+              <a:t>等</a:t>
+            </a:r>
+            <a:r>
+              <a:rPr lang="zh-CN" altLang="en-US" sz="2000" dirty="0" smtClean="0">
+                <a:latin typeface="Lantinghei SC Demibold" charset="-122"/>
+                <a:ea typeface="Lantinghei SC Demibold" charset="-122"/>
+                <a:cs typeface="Lantinghei SC Demibold" charset="-122"/>
+              </a:rPr>
+              <a:t>。</a:t>
             </a:r>
             <a:endParaRPr lang="zh-CN" altLang="en-US" sz="2000" dirty="0">
               <a:latin typeface="微软雅黑"/>
@@ -8038,8 +7954,8 @@
         </p:blipFill>
         <p:spPr>
           <a:xfrm>
-            <a:off x="7449548" y="937220"/>
-            <a:ext cx="3186822" cy="5668241"/>
+            <a:off x="7420398" y="1057394"/>
+            <a:ext cx="3085434" cy="5487907"/>
           </a:xfrm>
           <a:prstGeom prst="rect">
             <a:avLst/>
@@ -8049,7 +7965,7 @@
     </p:spTree>
     <p:extLst>
       <p:ext uri="{BB962C8B-B14F-4D97-AF65-F5344CB8AC3E}">
-        <p14:creationId xmlns:p14="http://schemas.microsoft.com/office/powerpoint/2010/main" val="1498782702"/>
+        <p14:creationId xmlns:p14="http://schemas.microsoft.com/office/powerpoint/2010/main" val="3579154264"/>
       </p:ext>
     </p:extLst>
   </p:cSld>
@@ -8191,7 +8107,7 @@
                 <a:latin typeface="微软雅黑" panose="020B0503020204020204" pitchFamily="34" charset="-122"/>
                 <a:ea typeface="微软雅黑" panose="020B0503020204020204" pitchFamily="34" charset="-122"/>
               </a:rPr>
-              <a:t>小说历史纪录功能</a:t>
+              <a:t>小说详情功能</a:t>
             </a:r>
             <a:endParaRPr lang="zh-CN" altLang="en-US" sz="3200" b="1" dirty="0">
               <a:solidFill>
@@ -8286,7 +8202,7 @@
         <p:spPr>
           <a:xfrm>
             <a:off x="370031" y="2468789"/>
-            <a:ext cx="5624597" cy="2246769"/>
+            <a:ext cx="5624597" cy="1708160"/>
           </a:xfrm>
           <a:prstGeom prst="rect">
             <a:avLst/>
@@ -8316,7 +8232,7 @@
                 <a:ea typeface="Lantinghei SC Demibold" charset="-122"/>
                 <a:cs typeface="Lantinghei SC Demibold" charset="-122"/>
               </a:rPr>
-              <a:t>小说历史纪录</a:t>
+              <a:t>小说详情功能</a:t>
             </a:r>
             <a:endParaRPr lang="en-US" altLang="zh-CN" sz="2000" b="1" dirty="0" smtClean="0">
               <a:latin typeface="Lantinghei SC Demibold" charset="-122"/>
@@ -8342,7 +8258,7 @@
                 <a:ea typeface="Lantinghei SC Demibold" charset="-122"/>
                 <a:cs typeface="Lantinghei SC Demibold" charset="-122"/>
               </a:rPr>
-              <a:t>小说历史纪录功能可以纪录用户上一次阅读小说的纪录</a:t>
+              <a:t>小说详情功能主要用于展示各类型下的小说</a:t>
             </a:r>
             <a:r>
               <a:rPr lang="en-US" altLang="zh-CN" sz="2000" dirty="0" smtClean="0">
@@ -8353,20 +8269,12 @@
               <a:t>,</a:t>
             </a:r>
             <a:r>
-              <a:rPr lang="zh-CN" altLang="en-US" sz="2000" dirty="0">
-                <a:latin typeface="Lantinghei SC Demibold" charset="-122"/>
-                <a:ea typeface="Lantinghei SC Demibold" charset="-122"/>
-                <a:cs typeface="Lantinghei SC Demibold" charset="-122"/>
-              </a:rPr>
-              <a:t>还</a:t>
-            </a:r>
-            <a:r>
               <a:rPr lang="zh-CN" altLang="en-US" sz="2000" dirty="0" smtClean="0">
                 <a:latin typeface="Lantinghei SC Demibold" charset="-122"/>
                 <a:ea typeface="Lantinghei SC Demibold" charset="-122"/>
                 <a:cs typeface="Lantinghei SC Demibold" charset="-122"/>
               </a:rPr>
-              <a:t>可以看到当前所看小说的人数</a:t>
+              <a:t>其其中包括热门</a:t>
             </a:r>
             <a:r>
               <a:rPr lang="en-US" altLang="zh-CN" sz="2000" dirty="0" smtClean="0">
@@ -8382,7 +8290,39 @@
                 <a:ea typeface="Lantinghei SC Demibold" charset="-122"/>
                 <a:cs typeface="Lantinghei SC Demibold" charset="-122"/>
               </a:rPr>
-              <a:t>以及每天更新的字数等等。</a:t>
+              <a:t>新书</a:t>
+            </a:r>
+            <a:r>
+              <a:rPr lang="en-US" altLang="zh-CN" sz="2000" dirty="0" smtClean="0">
+                <a:latin typeface="Lantinghei SC Demibold" charset="-122"/>
+                <a:ea typeface="Lantinghei SC Demibold" charset="-122"/>
+                <a:cs typeface="Lantinghei SC Demibold" charset="-122"/>
+              </a:rPr>
+              <a:t>,</a:t>
+            </a:r>
+            <a:r>
+              <a:rPr lang="zh-CN" altLang="en-US" sz="2000" dirty="0" smtClean="0">
+                <a:latin typeface="Lantinghei SC Demibold" charset="-122"/>
+                <a:ea typeface="Lantinghei SC Demibold" charset="-122"/>
+                <a:cs typeface="Lantinghei SC Demibold" charset="-122"/>
+              </a:rPr>
+              <a:t>好评</a:t>
+            </a:r>
+            <a:r>
+              <a:rPr lang="en-US" altLang="zh-CN" sz="2000" dirty="0" smtClean="0">
+                <a:latin typeface="Lantinghei SC Demibold" charset="-122"/>
+                <a:ea typeface="Lantinghei SC Demibold" charset="-122"/>
+                <a:cs typeface="Lantinghei SC Demibold" charset="-122"/>
+              </a:rPr>
+              <a:t>,</a:t>
+            </a:r>
+            <a:r>
+              <a:rPr lang="zh-CN" altLang="en-US" sz="2000" dirty="0" smtClean="0">
+                <a:latin typeface="Lantinghei SC Demibold" charset="-122"/>
+                <a:ea typeface="Lantinghei SC Demibold" charset="-122"/>
+                <a:cs typeface="Lantinghei SC Demibold" charset="-122"/>
+              </a:rPr>
+              <a:t>完结等等。</a:t>
             </a:r>
             <a:endParaRPr lang="zh-CN" altLang="en-US" sz="2000" dirty="0">
               <a:latin typeface="微软雅黑"/>
@@ -8424,7 +8364,7 @@
       </p:pic>
       <p:pic>
         <p:nvPicPr>
-          <p:cNvPr id="4" name="图片 3"/>
+          <p:cNvPr id="9" name="图片 8"/>
           <p:cNvPicPr>
             <a:picLocks noChangeAspect="1"/>
           </p:cNvPicPr>
@@ -8455,7 +8395,7 @@
     </p:spTree>
     <p:extLst>
       <p:ext uri="{BB962C8B-B14F-4D97-AF65-F5344CB8AC3E}">
-        <p14:creationId xmlns:p14="http://schemas.microsoft.com/office/powerpoint/2010/main" val="1040814230"/>
+        <p14:creationId xmlns:p14="http://schemas.microsoft.com/office/powerpoint/2010/main" val="1498782702"/>
       </p:ext>
     </p:extLst>
   </p:cSld>
@@ -8922,7 +8862,7 @@
         <p:spPr>
           <a:xfrm>
             <a:off x="338383" y="352445"/>
-            <a:ext cx="4879076" cy="584775"/>
+            <a:ext cx="4043266" cy="584775"/>
           </a:xfrm>
           <a:prstGeom prst="rect">
             <a:avLst/>
@@ -8943,10 +8883,10 @@
                 <a:latin typeface="微软雅黑" panose="020B0503020204020204" pitchFamily="34" charset="-122"/>
                 <a:ea typeface="微软雅黑" panose="020B0503020204020204" pitchFamily="34" charset="-122"/>
               </a:rPr>
-              <a:t>各模块介绍</a:t>
-            </a:r>
-            <a:r>
-              <a:rPr lang="en-US" altLang="zh-CN" sz="3200" b="1" dirty="0" smtClean="0">
+              <a:t>准备工作</a:t>
+            </a:r>
+            <a:r>
+              <a:rPr lang="en-US" altLang="zh-CN" sz="3200" b="1" dirty="0">
                 <a:solidFill>
                   <a:srgbClr val="0070C0"/>
                 </a:solidFill>
@@ -8956,22 +8896,15 @@
               <a:t>-</a:t>
             </a:r>
             <a:r>
-              <a:rPr lang="zh-CN" altLang="en-US" sz="3200" b="1" dirty="0" smtClean="0">
+              <a:rPr lang="zh-CN" altLang="en-US" sz="3200" b="1" dirty="0">
                 <a:solidFill>
                   <a:srgbClr val="0070C0"/>
                 </a:solidFill>
                 <a:latin typeface="微软雅黑" panose="020B0503020204020204" pitchFamily="34" charset="-122"/>
                 <a:ea typeface="微软雅黑" panose="020B0503020204020204" pitchFamily="34" charset="-122"/>
               </a:rPr>
-              <a:t>夜间模式功能</a:t>
-            </a:r>
-            <a:endParaRPr lang="zh-CN" altLang="en-US" sz="3200" b="1" dirty="0">
-              <a:solidFill>
-                <a:srgbClr val="0070C0"/>
-              </a:solidFill>
-              <a:latin typeface="微软雅黑" panose="020B0503020204020204" pitchFamily="34" charset="-122"/>
-              <a:ea typeface="微软雅黑" panose="020B0503020204020204" pitchFamily="34" charset="-122"/>
-            </a:endParaRPr>
+              <a:t>环境搭建</a:t>
+            </a:r>
           </a:p>
         </p:txBody>
       </p:sp>
@@ -9057,8 +8990,8 @@
         </p:nvSpPr>
         <p:spPr>
           <a:xfrm>
-            <a:off x="338383" y="2534062"/>
-            <a:ext cx="5624597" cy="1708160"/>
+            <a:off x="973883" y="2406232"/>
+            <a:ext cx="10759510" cy="2785378"/>
           </a:xfrm>
           <a:prstGeom prst="rect">
             <a:avLst/>
@@ -9083,14 +9016,94 @@
               </a:spcAft>
             </a:pPr>
             <a:r>
-              <a:rPr lang="zh-CN" altLang="en-US" sz="2000" b="1" dirty="0" smtClean="0">
+              <a:rPr lang="en-US" altLang="zh-CN" sz="2000" dirty="0">
                 <a:latin typeface="Lantinghei SC Demibold" charset="-122"/>
                 <a:ea typeface="Lantinghei SC Demibold" charset="-122"/>
                 <a:cs typeface="Lantinghei SC Demibold" charset="-122"/>
               </a:rPr>
-              <a:t>夜间模式</a:t>
-            </a:r>
-            <a:endParaRPr lang="en-US" altLang="zh-CN" sz="2000" b="1" dirty="0" smtClean="0">
+              <a:t>	</a:t>
+            </a:r>
+            <a:r>
+              <a:rPr lang="zh-CN" altLang="en-US" sz="2000" dirty="0">
+                <a:latin typeface="Lantinghei SC Demibold" charset="-122"/>
+                <a:ea typeface="Lantinghei SC Demibold" charset="-122"/>
+                <a:cs typeface="Lantinghei SC Demibold" charset="-122"/>
+              </a:rPr>
+              <a:t>此次实训</a:t>
+            </a:r>
+            <a:r>
+              <a:rPr lang="zh-CN" altLang="en-US" sz="2000" dirty="0" smtClean="0">
+                <a:latin typeface="Lantinghei SC Demibold" charset="-122"/>
+                <a:ea typeface="Lantinghei SC Demibold" charset="-122"/>
+                <a:cs typeface="Lantinghei SC Demibold" charset="-122"/>
+              </a:rPr>
+              <a:t>为移动端项目</a:t>
+            </a:r>
+            <a:r>
+              <a:rPr lang="zh-CN" altLang="en-US" sz="2000" dirty="0">
+                <a:latin typeface="Lantinghei SC Demibold" charset="-122"/>
+                <a:ea typeface="Lantinghei SC Demibold" charset="-122"/>
+                <a:cs typeface="Lantinghei SC Demibold" charset="-122"/>
+              </a:rPr>
+              <a:t>开发，所使用的前端语言为</a:t>
+            </a:r>
+            <a:r>
+              <a:rPr lang="en-US" altLang="zh-CN" sz="2000" dirty="0" smtClean="0">
+                <a:latin typeface="Lantinghei SC Demibold" charset="-122"/>
+                <a:ea typeface="Lantinghei SC Demibold" charset="-122"/>
+                <a:cs typeface="Lantinghei SC Demibold" charset="-122"/>
+              </a:rPr>
+              <a:t>HTML5/CSS3/JavaScript/</a:t>
+            </a:r>
+            <a:r>
+              <a:rPr lang="en-US" altLang="zh-CN" sz="2000" dirty="0" err="1" smtClean="0">
+                <a:latin typeface="Lantinghei SC Demibold" charset="-122"/>
+                <a:ea typeface="Lantinghei SC Demibold" charset="-122"/>
+                <a:cs typeface="Lantinghei SC Demibold" charset="-122"/>
+              </a:rPr>
+              <a:t>Vue</a:t>
+            </a:r>
+            <a:r>
+              <a:rPr lang="zh-CN" altLang="en-US" sz="2000" dirty="0" smtClean="0">
+                <a:latin typeface="Lantinghei SC Demibold" charset="-122"/>
+                <a:ea typeface="Lantinghei SC Demibold" charset="-122"/>
+                <a:cs typeface="Lantinghei SC Demibold" charset="-122"/>
+              </a:rPr>
+              <a:t>，</a:t>
+            </a:r>
+            <a:r>
+              <a:rPr lang="zh-CN" altLang="en-US" sz="2000" dirty="0">
+                <a:latin typeface="Lantinghei SC Demibold" charset="-122"/>
+                <a:ea typeface="Lantinghei SC Demibold" charset="-122"/>
+                <a:cs typeface="Lantinghei SC Demibold" charset="-122"/>
+              </a:rPr>
+              <a:t>服务器</a:t>
+            </a:r>
+            <a:r>
+              <a:rPr lang="zh-CN" altLang="en-US" sz="2000" dirty="0" smtClean="0">
+                <a:latin typeface="Lantinghei SC Demibold" charset="-122"/>
+                <a:ea typeface="Lantinghei SC Demibold" charset="-122"/>
+                <a:cs typeface="Lantinghei SC Demibold" charset="-122"/>
+              </a:rPr>
+              <a:t>端用</a:t>
+            </a:r>
+            <a:r>
+              <a:rPr lang="en-US" altLang="zh-CN" sz="2000" dirty="0" smtClean="0">
+                <a:latin typeface="Lantinghei SC Demibold" charset="-122"/>
+                <a:ea typeface="Lantinghei SC Demibold" charset="-122"/>
+                <a:cs typeface="Lantinghei SC Demibold" charset="-122"/>
+              </a:rPr>
+              <a:t>Node</a:t>
+            </a:r>
+            <a:r>
+              <a:rPr lang="zh-CN" altLang="en-US" sz="2000" dirty="0" smtClean="0">
+                <a:latin typeface="Lantinghei SC Demibold" charset="-122"/>
+                <a:ea typeface="Lantinghei SC Demibold" charset="-122"/>
+                <a:cs typeface="Lantinghei SC Demibold" charset="-122"/>
+              </a:rPr>
+              <a:t>做接口代理及接口转发。</a:t>
+            </a:r>
+            <a:endParaRPr lang="en-US" altLang="zh-CN" sz="2000" dirty="0">
               <a:latin typeface="Lantinghei SC Demibold" charset="-122"/>
               <a:ea typeface="Lantinghei SC Demibold" charset="-122"/>
               <a:cs typeface="Lantinghei SC Demibold" charset="-122"/>
@@ -9109,12 +9122,36 @@
               </a:spcAft>
             </a:pPr>
             <a:r>
+              <a:rPr lang="en-US" altLang="zh-CN" sz="2000" dirty="0">
+                <a:latin typeface="Lantinghei SC Demibold" charset="-122"/>
+                <a:ea typeface="Lantinghei SC Demibold" charset="-122"/>
+                <a:cs typeface="Lantinghei SC Demibold" charset="-122"/>
+              </a:rPr>
+              <a:t>	</a:t>
+            </a:r>
+            <a:r>
               <a:rPr lang="zh-CN" altLang="en-US" sz="2000" dirty="0" smtClean="0">
                 <a:latin typeface="Lantinghei SC Demibold" charset="-122"/>
                 <a:ea typeface="Lantinghei SC Demibold" charset="-122"/>
                 <a:cs typeface="Lantinghei SC Demibold" charset="-122"/>
               </a:rPr>
-              <a:t>夜间模式方便用户在夜晚阅读小说时</a:t>
+              <a:t>在</a:t>
+            </a:r>
+            <a:r>
+              <a:rPr lang="zh-CN" altLang="en-US" sz="2000" dirty="0">
+                <a:latin typeface="Lantinghei SC Demibold" charset="-122"/>
+                <a:ea typeface="Lantinghei SC Demibold" charset="-122"/>
+                <a:cs typeface="Lantinghei SC Demibold" charset="-122"/>
+              </a:rPr>
+              <a:t>开始项目之前，我们需要</a:t>
+            </a:r>
+            <a:r>
+              <a:rPr lang="zh-CN" altLang="en-US" sz="2000" dirty="0" smtClean="0">
+                <a:latin typeface="Lantinghei SC Demibold" charset="-122"/>
+                <a:ea typeface="Lantinghei SC Demibold" charset="-122"/>
+                <a:cs typeface="Lantinghei SC Demibold" charset="-122"/>
+              </a:rPr>
+              <a:t>安装</a:t>
             </a:r>
             <a:r>
               <a:rPr lang="en-US" altLang="zh-CN" sz="2000" dirty="0" smtClean="0">
@@ -9122,7 +9159,7 @@
                 <a:ea typeface="Lantinghei SC Demibold" charset="-122"/>
                 <a:cs typeface="Lantinghei SC Demibold" charset="-122"/>
               </a:rPr>
-              <a:t>,</a:t>
+              <a:t>Node,</a:t>
             </a:r>
             <a:r>
               <a:rPr lang="zh-CN" altLang="en-US" sz="2000" dirty="0" smtClean="0">
@@ -9130,12 +9167,176 @@
                 <a:ea typeface="Lantinghei SC Demibold" charset="-122"/>
                 <a:cs typeface="Lantinghei SC Demibold" charset="-122"/>
               </a:rPr>
-              <a:t>避免因亮度问题对眼睛造成所伤。</a:t>
-            </a:r>
-            <a:endParaRPr lang="zh-CN" altLang="en-US" sz="2000" dirty="0">
-              <a:latin typeface="微软雅黑"/>
-              <a:ea typeface="微软雅黑"/>
-              <a:sym typeface="Gill Sans" charset="0"/>
+              <a:t>以及</a:t>
+            </a:r>
+            <a:r>
+              <a:rPr lang="en-US" altLang="zh-CN" sz="2000" dirty="0" err="1" smtClean="0">
+                <a:latin typeface="Lantinghei SC Demibold" charset="-122"/>
+                <a:ea typeface="Lantinghei SC Demibold" charset="-122"/>
+                <a:cs typeface="Lantinghei SC Demibold" charset="-122"/>
+              </a:rPr>
+              <a:t>Vue</a:t>
+            </a:r>
+            <a:r>
+              <a:rPr lang="zh-CN" altLang="en-US" sz="2000" dirty="0" smtClean="0">
+                <a:latin typeface="Lantinghei SC Demibold" charset="-122"/>
+                <a:ea typeface="Lantinghei SC Demibold" charset="-122"/>
+                <a:cs typeface="Lantinghei SC Demibold" charset="-122"/>
+              </a:rPr>
+              <a:t>脚手架。</a:t>
+            </a:r>
+            <a:endParaRPr lang="en-US" altLang="zh-CN" sz="2000" dirty="0">
+              <a:latin typeface="Lantinghei SC Demibold" charset="-122"/>
+              <a:ea typeface="Lantinghei SC Demibold" charset="-122"/>
+              <a:cs typeface="Lantinghei SC Demibold" charset="-122"/>
+            </a:endParaRPr>
+          </a:p>
+          <a:p>
+            <a:pPr algn="just" fontAlgn="base">
+              <a:lnSpc>
+                <a:spcPct val="175000"/>
+              </a:lnSpc>
+              <a:spcBef>
+                <a:spcPct val="0"/>
+              </a:spcBef>
+              <a:spcAft>
+                <a:spcPct val="0"/>
+              </a:spcAft>
+            </a:pPr>
+            <a:r>
+              <a:rPr lang="en-US" altLang="zh-CN" sz="2000" dirty="0">
+                <a:latin typeface="Lantinghei SC Demibold" charset="-122"/>
+                <a:ea typeface="Lantinghei SC Demibold" charset="-122"/>
+                <a:cs typeface="Lantinghei SC Demibold" charset="-122"/>
+              </a:rPr>
+              <a:t>	</a:t>
+            </a:r>
+            <a:r>
+              <a:rPr lang="zh-CN" altLang="en-US" sz="2000" dirty="0">
+                <a:latin typeface="Lantinghei SC Demibold" charset="-122"/>
+                <a:ea typeface="Lantinghei SC Demibold" charset="-122"/>
+                <a:cs typeface="Lantinghei SC Demibold" charset="-122"/>
+              </a:rPr>
+              <a:t>如果你的电脑上已经安装</a:t>
+            </a:r>
+            <a:r>
+              <a:rPr lang="zh-CN" altLang="en-US" sz="2000" dirty="0" smtClean="0">
+                <a:latin typeface="Lantinghei SC Demibold" charset="-122"/>
+                <a:ea typeface="Lantinghei SC Demibold" charset="-122"/>
+                <a:cs typeface="Lantinghei SC Demibold" charset="-122"/>
+              </a:rPr>
+              <a:t>了</a:t>
+            </a:r>
+            <a:r>
+              <a:rPr lang="en-US" altLang="zh-CN" sz="2000" dirty="0" smtClean="0">
+                <a:latin typeface="Lantinghei SC Demibold" charset="-122"/>
+                <a:ea typeface="Lantinghei SC Demibold" charset="-122"/>
+                <a:cs typeface="Lantinghei SC Demibold" charset="-122"/>
+              </a:rPr>
+              <a:t>Node</a:t>
+            </a:r>
+            <a:r>
+              <a:rPr lang="zh-CN" altLang="en-US" sz="2000" dirty="0" smtClean="0">
+                <a:latin typeface="Lantinghei SC Demibold" charset="-122"/>
+                <a:ea typeface="Lantinghei SC Demibold" charset="-122"/>
+                <a:cs typeface="Lantinghei SC Demibold" charset="-122"/>
+              </a:rPr>
+              <a:t>以及</a:t>
+            </a:r>
+            <a:r>
+              <a:rPr lang="en-US" altLang="zh-CN" sz="2000" dirty="0" err="1" smtClean="0">
+                <a:latin typeface="Lantinghei SC Demibold" charset="-122"/>
+                <a:ea typeface="Lantinghei SC Demibold" charset="-122"/>
+                <a:cs typeface="Lantinghei SC Demibold" charset="-122"/>
+              </a:rPr>
+              <a:t>Vue</a:t>
+            </a:r>
+            <a:r>
+              <a:rPr lang="zh-CN" altLang="en-US" sz="2000" dirty="0" smtClean="0">
+                <a:latin typeface="Lantinghei SC Demibold" charset="-122"/>
+                <a:ea typeface="Lantinghei SC Demibold" charset="-122"/>
+                <a:cs typeface="Lantinghei SC Demibold" charset="-122"/>
+              </a:rPr>
+              <a:t>脚手架，</a:t>
+            </a:r>
+            <a:r>
+              <a:rPr lang="zh-CN" altLang="en-US" sz="2000" dirty="0">
+                <a:latin typeface="Lantinghei SC Demibold" charset="-122"/>
+                <a:ea typeface="Lantinghei SC Demibold" charset="-122"/>
+                <a:cs typeface="Lantinghei SC Demibold" charset="-122"/>
+              </a:rPr>
+              <a:t>则可以直接使用</a:t>
+            </a:r>
+            <a:r>
+              <a:rPr lang="zh-CN" altLang="en-US" sz="2000" dirty="0" smtClean="0">
+                <a:latin typeface="Lantinghei SC Demibold" charset="-122"/>
+                <a:ea typeface="Lantinghei SC Demibold" charset="-122"/>
+                <a:cs typeface="Lantinghei SC Demibold" charset="-122"/>
+              </a:rPr>
+              <a:t>。</a:t>
+            </a:r>
+            <a:endParaRPr lang="en-US" altLang="zh-CN" sz="2000" dirty="0" smtClean="0">
+              <a:latin typeface="Lantinghei SC Demibold" charset="-122"/>
+              <a:ea typeface="Lantinghei SC Demibold" charset="-122"/>
+              <a:cs typeface="Lantinghei SC Demibold" charset="-122"/>
+            </a:endParaRPr>
+          </a:p>
+          <a:p>
+            <a:pPr algn="just" fontAlgn="base">
+              <a:lnSpc>
+                <a:spcPct val="175000"/>
+              </a:lnSpc>
+              <a:spcBef>
+                <a:spcPct val="0"/>
+              </a:spcBef>
+              <a:spcAft>
+                <a:spcPct val="0"/>
+              </a:spcAft>
+            </a:pPr>
+            <a:r>
+              <a:rPr lang="en-US" altLang="zh-CN" sz="2000" dirty="0">
+                <a:latin typeface="Lantinghei SC Demibold" charset="-122"/>
+                <a:ea typeface="Lantinghei SC Demibold" charset="-122"/>
+                <a:cs typeface="Lantinghei SC Demibold" charset="-122"/>
+              </a:rPr>
+              <a:t>	</a:t>
+            </a:r>
+            <a:r>
+              <a:rPr lang="zh-CN" altLang="en-US" sz="2000" dirty="0" smtClean="0">
+                <a:latin typeface="Lantinghei SC Demibold" charset="-122"/>
+                <a:ea typeface="Lantinghei SC Demibold" charset="-122"/>
+                <a:cs typeface="Lantinghei SC Demibold" charset="-122"/>
+              </a:rPr>
+              <a:t>如果没有安装</a:t>
+            </a:r>
+            <a:r>
+              <a:rPr lang="en-US" altLang="zh-CN" sz="2000" dirty="0" smtClean="0">
+                <a:latin typeface="Lantinghei SC Demibold" charset="-122"/>
+                <a:ea typeface="Lantinghei SC Demibold" charset="-122"/>
+                <a:cs typeface="Lantinghei SC Demibold" charset="-122"/>
+              </a:rPr>
+              <a:t>,</a:t>
+            </a:r>
+            <a:r>
+              <a:rPr lang="zh-CN" altLang="en-US" sz="2000" dirty="0" smtClean="0">
+                <a:latin typeface="Lantinghei SC Demibold" charset="-122"/>
+                <a:ea typeface="Lantinghei SC Demibold" charset="-122"/>
+                <a:cs typeface="Lantinghei SC Demibold" charset="-122"/>
+              </a:rPr>
+              <a:t>那么需要安装一下</a:t>
+            </a:r>
+            <a:r>
+              <a:rPr lang="en-US" altLang="zh-CN" sz="2000" dirty="0" smtClean="0">
+                <a:latin typeface="Lantinghei SC Demibold" charset="-122"/>
+                <a:ea typeface="Lantinghei SC Demibold" charset="-122"/>
+                <a:cs typeface="Lantinghei SC Demibold" charset="-122"/>
+              </a:rPr>
+              <a:t>.</a:t>
+            </a:r>
+            <a:endParaRPr lang="en-US" altLang="zh-CN" sz="2000" dirty="0">
+              <a:latin typeface="Lantinghei SC Demibold" charset="-122"/>
+              <a:ea typeface="Lantinghei SC Demibold" charset="-122"/>
+              <a:cs typeface="Lantinghei SC Demibold" charset="-122"/>
             </a:endParaRPr>
           </a:p>
         </p:txBody>
@@ -9170,40 +9371,10 @@
           </a:prstGeom>
         </p:spPr>
       </p:pic>
-      <p:pic>
-        <p:nvPicPr>
-          <p:cNvPr id="4" name="图片 3"/>
-          <p:cNvPicPr>
-            <a:picLocks noChangeAspect="1"/>
-          </p:cNvPicPr>
-          <p:nvPr/>
-        </p:nvPicPr>
-        <p:blipFill>
-          <a:blip r:embed="rId4">
-            <a:extLst>
-              <a:ext uri="{28A0092B-C50C-407E-A947-70E740481C1C}">
-                <a14:useLocalDpi xmlns:a14="http://schemas.microsoft.com/office/drawing/2010/main" val="0"/>
-              </a:ext>
-            </a:extLst>
-          </a:blip>
-          <a:stretch>
-            <a:fillRect/>
-          </a:stretch>
-        </p:blipFill>
-        <p:spPr>
-          <a:xfrm>
-            <a:off x="7545997" y="1020801"/>
-            <a:ext cx="3201515" cy="5694375"/>
-          </a:xfrm>
-          <a:prstGeom prst="rect">
-            <a:avLst/>
-          </a:prstGeom>
-        </p:spPr>
-      </p:pic>
     </p:spTree>
     <p:extLst>
       <p:ext uri="{BB962C8B-B14F-4D97-AF65-F5344CB8AC3E}">
-        <p14:creationId xmlns:p14="http://schemas.microsoft.com/office/powerpoint/2010/main" val="81833124"/>
+        <p14:creationId xmlns:p14="http://schemas.microsoft.com/office/powerpoint/2010/main" val="1350103627"/>
       </p:ext>
     </p:extLst>
   </p:cSld>
@@ -9303,8 +9474,8 @@
         </p:nvSpPr>
         <p:spPr>
           <a:xfrm>
-            <a:off x="338382" y="352445"/>
-            <a:ext cx="4944818" cy="584775"/>
+            <a:off x="338383" y="352445"/>
+            <a:ext cx="4043266" cy="584775"/>
           </a:xfrm>
           <a:prstGeom prst="rect">
             <a:avLst/>
@@ -9325,10 +9496,10 @@
                 <a:latin typeface="微软雅黑" panose="020B0503020204020204" pitchFamily="34" charset="-122"/>
                 <a:ea typeface="微软雅黑" panose="020B0503020204020204" pitchFamily="34" charset="-122"/>
               </a:rPr>
-              <a:t>各模块介绍</a:t>
-            </a:r>
-            <a:r>
-              <a:rPr lang="en-US" altLang="zh-CN" sz="3200" b="1" dirty="0" smtClean="0">
+              <a:t>准备工作</a:t>
+            </a:r>
+            <a:r>
+              <a:rPr lang="en-US" altLang="zh-CN" sz="3200" b="1" dirty="0">
                 <a:solidFill>
                   <a:srgbClr val="0070C0"/>
                 </a:solidFill>
@@ -9338,22 +9509,15 @@
               <a:t>-</a:t>
             </a:r>
             <a:r>
-              <a:rPr lang="zh-CN" altLang="en-US" sz="3200" b="1" dirty="0" smtClean="0">
+              <a:rPr lang="zh-CN" altLang="en-US" sz="3200" b="1" dirty="0">
                 <a:solidFill>
                   <a:srgbClr val="0070C0"/>
                 </a:solidFill>
                 <a:latin typeface="微软雅黑" panose="020B0503020204020204" pitchFamily="34" charset="-122"/>
                 <a:ea typeface="微软雅黑" panose="020B0503020204020204" pitchFamily="34" charset="-122"/>
               </a:rPr>
-              <a:t>章节倒叙查看</a:t>
-            </a:r>
-            <a:endParaRPr lang="zh-CN" altLang="en-US" sz="3200" b="1" dirty="0">
-              <a:solidFill>
-                <a:srgbClr val="0070C0"/>
-              </a:solidFill>
-              <a:latin typeface="微软雅黑" panose="020B0503020204020204" pitchFamily="34" charset="-122"/>
-              <a:ea typeface="微软雅黑" panose="020B0503020204020204" pitchFamily="34" charset="-122"/>
-            </a:endParaRPr>
+              <a:t>环境搭建</a:t>
+            </a:r>
           </a:p>
         </p:txBody>
       </p:sp>
@@ -9439,8 +9603,8 @@
         </p:nvSpPr>
         <p:spPr>
           <a:xfrm>
-            <a:off x="338382" y="2712326"/>
-            <a:ext cx="5624597" cy="1708160"/>
+            <a:off x="676105" y="1355656"/>
+            <a:ext cx="10759510" cy="2785378"/>
           </a:xfrm>
           <a:prstGeom prst="rect">
             <a:avLst/>
@@ -9465,14 +9629,33 @@
               </a:spcAft>
             </a:pPr>
             <a:r>
-              <a:rPr lang="zh-CN" altLang="en-US" sz="2000" b="1" dirty="0" smtClean="0">
+              <a:rPr lang="en-US" altLang="zh-CN" sz="2000" dirty="0" smtClean="0">
+                <a:solidFill>
+                  <a:srgbClr val="FF0000"/>
+                </a:solidFill>
                 <a:latin typeface="Lantinghei SC Demibold" charset="-122"/>
                 <a:ea typeface="Lantinghei SC Demibold" charset="-122"/>
                 <a:cs typeface="Lantinghei SC Demibold" charset="-122"/>
               </a:rPr>
-              <a:t>章节倒叙查看</a:t>
-            </a:r>
-            <a:endParaRPr lang="en-US" altLang="zh-CN" sz="2000" b="1" dirty="0" smtClean="0">
+              <a:t>Node</a:t>
+            </a:r>
+            <a:r>
+              <a:rPr lang="zh-CN" altLang="en-US" sz="2000" dirty="0" smtClean="0">
+                <a:latin typeface="Lantinghei SC Demibold" charset="-122"/>
+                <a:ea typeface="Lantinghei SC Demibold" charset="-122"/>
+                <a:cs typeface="Lantinghei SC Demibold" charset="-122"/>
+              </a:rPr>
+              <a:t>简介</a:t>
+            </a:r>
+            <a:r>
+              <a:rPr lang="zh-CN" altLang="en-US" sz="2000" dirty="0">
+                <a:latin typeface="Lantinghei SC Demibold" charset="-122"/>
+                <a:ea typeface="Lantinghei SC Demibold" charset="-122"/>
+                <a:cs typeface="Lantinghei SC Demibold" charset="-122"/>
+              </a:rPr>
+              <a:t>：</a:t>
+            </a:r>
+            <a:endParaRPr lang="en-US" altLang="zh-CN" sz="2000" dirty="0">
               <a:latin typeface="Lantinghei SC Demibold" charset="-122"/>
               <a:ea typeface="Lantinghei SC Demibold" charset="-122"/>
               <a:cs typeface="Lantinghei SC Demibold" charset="-122"/>
@@ -9491,73 +9674,133 @@
               </a:spcAft>
             </a:pPr>
             <a:r>
+              <a:rPr lang="en-US" altLang="zh-CN" sz="2000" dirty="0">
+                <a:latin typeface="微软雅黑"/>
+                <a:ea typeface="Lantinghei SC Demibold" charset="-122"/>
+                <a:sym typeface="Gill Sans" charset="0"/>
+              </a:rPr>
+              <a:t>	</a:t>
+            </a:r>
+            <a:r>
+              <a:rPr lang="en-US" altLang="zh-CN" sz="2000" dirty="0"/>
+              <a:t>Node.js </a:t>
+            </a:r>
+            <a:r>
+              <a:rPr lang="zh-CN" altLang="en-US" sz="2000" dirty="0"/>
+              <a:t>是一个基于 </a:t>
+            </a:r>
+            <a:r>
+              <a:rPr lang="en-US" altLang="zh-CN" sz="2000" dirty="0"/>
+              <a:t>Chrome V8 </a:t>
+            </a:r>
+            <a:r>
+              <a:rPr lang="zh-CN" altLang="en-US" sz="2000" dirty="0"/>
+              <a:t>引擎的 </a:t>
+            </a:r>
+            <a:r>
+              <a:rPr lang="en-US" altLang="zh-CN" sz="2000" dirty="0"/>
+              <a:t>JavaScript </a:t>
+            </a:r>
+            <a:r>
+              <a:rPr lang="zh-CN" altLang="en-US" sz="2000" dirty="0"/>
+              <a:t>运行环境。 </a:t>
+            </a:r>
+            <a:br>
+              <a:rPr lang="zh-CN" altLang="en-US" sz="2000" dirty="0"/>
+            </a:br>
+            <a:r>
+              <a:rPr lang="en-US" altLang="zh-CN" sz="2000" dirty="0"/>
+              <a:t>Node.js </a:t>
+            </a:r>
+            <a:r>
+              <a:rPr lang="zh-CN" altLang="en-US" sz="2000" dirty="0"/>
+              <a:t>使用了一个事件驱动、非阻塞式 </a:t>
+            </a:r>
+            <a:r>
+              <a:rPr lang="en-US" altLang="zh-CN" sz="2000" dirty="0"/>
+              <a:t>I/O </a:t>
+            </a:r>
+            <a:r>
+              <a:rPr lang="zh-CN" altLang="en-US" sz="2000" dirty="0"/>
+              <a:t>的模型，使其轻量又高效</a:t>
+            </a:r>
+            <a:r>
               <a:rPr lang="zh-CN" altLang="en-US" sz="2000" dirty="0" smtClean="0">
-                <a:latin typeface="Lantinghei SC Demibold" charset="-122"/>
+                <a:latin typeface="微软雅黑"/>
                 <a:ea typeface="Lantinghei SC Demibold" charset="-122"/>
-                <a:cs typeface="Lantinghei SC Demibold" charset="-122"/>
-              </a:rPr>
-              <a:t>章节倒叙查看功能主要用户查看小说目录的顺序</a:t>
-            </a:r>
-            <a:r>
-              <a:rPr lang="en-US" altLang="zh-CN" sz="2000" dirty="0" smtClean="0">
-                <a:latin typeface="Lantinghei SC Demibold" charset="-122"/>
+                <a:sym typeface="Gill Sans" charset="0"/>
+              </a:rPr>
+              <a:t>。</a:t>
+            </a:r>
+            <a:endParaRPr lang="en-US" altLang="zh-CN" sz="2000" dirty="0">
+              <a:latin typeface="微软雅黑"/>
+              <a:ea typeface="Lantinghei SC Demibold" charset="-122"/>
+              <a:sym typeface="Gill Sans" charset="0"/>
+            </a:endParaRPr>
+          </a:p>
+          <a:p>
+            <a:pPr algn="just" fontAlgn="base">
+              <a:lnSpc>
+                <a:spcPct val="175000"/>
+              </a:lnSpc>
+              <a:spcBef>
+                <a:spcPct val="0"/>
+              </a:spcBef>
+              <a:spcAft>
+                <a:spcPct val="0"/>
+              </a:spcAft>
+            </a:pPr>
+            <a:endParaRPr lang="en-US" altLang="zh-CN" sz="2000" dirty="0">
+              <a:latin typeface="微软雅黑"/>
+              <a:ea typeface="Lantinghei SC Demibold" charset="-122"/>
+              <a:sym typeface="Gill Sans" charset="0"/>
+            </a:endParaRPr>
+          </a:p>
+          <a:p>
+            <a:pPr algn="just" fontAlgn="base">
+              <a:lnSpc>
+                <a:spcPct val="175000"/>
+              </a:lnSpc>
+              <a:spcBef>
+                <a:spcPct val="0"/>
+              </a:spcBef>
+              <a:spcAft>
+                <a:spcPct val="0"/>
+              </a:spcAft>
+            </a:pPr>
+            <a:r>
+              <a:rPr lang="zh-CN" altLang="en-US" sz="2000" dirty="0">
+                <a:latin typeface="微软雅黑"/>
                 <a:ea typeface="Lantinghei SC Demibold" charset="-122"/>
-                <a:cs typeface="Lantinghei SC Demibold" charset="-122"/>
-              </a:rPr>
-              <a:t>,</a:t>
-            </a:r>
-            <a:r>
-              <a:rPr lang="zh-CN" altLang="en-US" sz="2000" dirty="0" smtClean="0">
-                <a:latin typeface="Lantinghei SC Demibold" charset="-122"/>
+                <a:sym typeface="Gill Sans" charset="0"/>
+              </a:rPr>
+              <a:t>下载地址：</a:t>
+            </a:r>
+            <a:r>
+              <a:rPr lang="en-US" altLang="zh-CN" sz="2000" dirty="0">
+                <a:latin typeface="微软雅黑"/>
                 <a:ea typeface="Lantinghei SC Demibold" charset="-122"/>
-                <a:cs typeface="Lantinghei SC Demibold" charset="-122"/>
-              </a:rPr>
-              <a:t>让用户可以自由的选择想查看的章节内容</a:t>
-            </a:r>
-            <a:r>
-              <a:rPr lang="en-US" altLang="zh-CN" sz="2000" dirty="0" smtClean="0">
-                <a:latin typeface="Lantinghei SC Demibold" charset="-122"/>
-                <a:ea typeface="Lantinghei SC Demibold" charset="-122"/>
-                <a:cs typeface="Lantinghei SC Demibold" charset="-122"/>
-              </a:rPr>
-              <a:t>.</a:t>
-            </a:r>
+                <a:sym typeface="Gill Sans" charset="0"/>
+              </a:rPr>
+              <a:t> </a:t>
+            </a:r>
+            <a:r>
+              <a:rPr lang="en-US" altLang="zh-CN" sz="2000" dirty="0">
+                <a:hlinkClick r:id="rId3"/>
+              </a:rPr>
+              <a:t>http://nodejs.cn/download/</a:t>
+            </a:r>
+            <a:endParaRPr lang="zh-CN" altLang="en-US" sz="2000" dirty="0">
+              <a:latin typeface="微软雅黑"/>
+              <a:ea typeface="微软雅黑"/>
+              <a:sym typeface="Gill Sans" charset="0"/>
+            </a:endParaRPr>
           </a:p>
         </p:txBody>
       </p:sp>
       <p:pic>
         <p:nvPicPr>
           <p:cNvPr id="3" name="图片 2"/>
-          <p:cNvPicPr>
-            <a:picLocks noChangeAspect="1"/>
-          </p:cNvPicPr>
-          <p:nvPr/>
-        </p:nvPicPr>
-        <p:blipFill>
-          <a:blip r:embed="rId3">
-            <a:extLst>
-              <a:ext uri="{28A0092B-C50C-407E-A947-70E740481C1C}">
-                <a14:useLocalDpi xmlns:a14="http://schemas.microsoft.com/office/drawing/2010/main" val="0"/>
-              </a:ext>
-            </a:extLst>
-          </a:blip>
-          <a:stretch>
-            <a:fillRect/>
-          </a:stretch>
-        </p:blipFill>
-        <p:spPr>
-          <a:xfrm>
-            <a:off x="11026653" y="149991"/>
-            <a:ext cx="817924" cy="749764"/>
-          </a:xfrm>
-          <a:prstGeom prst="rect">
-            <a:avLst/>
-          </a:prstGeom>
-        </p:spPr>
-      </p:pic>
-      <p:pic>
-        <p:nvPicPr>
-          <p:cNvPr id="2" name="图片 1"/>
           <p:cNvPicPr>
             <a:picLocks noChangeAspect="1"/>
           </p:cNvPicPr>
@@ -9577,8 +9820,32 @@
         </p:blipFill>
         <p:spPr>
           <a:xfrm>
-            <a:off x="7441420" y="1098224"/>
-            <a:ext cx="3130074" cy="5567306"/>
+            <a:off x="11026653" y="149991"/>
+            <a:ext cx="817924" cy="749764"/>
+          </a:xfrm>
+          <a:prstGeom prst="rect">
+            <a:avLst/>
+          </a:prstGeom>
+        </p:spPr>
+      </p:pic>
+      <p:pic>
+        <p:nvPicPr>
+          <p:cNvPr id="4" name="图片 3"/>
+          <p:cNvPicPr>
+            <a:picLocks noChangeAspect="1"/>
+          </p:cNvPicPr>
+          <p:nvPr/>
+        </p:nvPicPr>
+        <p:blipFill>
+          <a:blip r:embed="rId5"/>
+          <a:stretch>
+            <a:fillRect/>
+          </a:stretch>
+        </p:blipFill>
+        <p:spPr>
+          <a:xfrm>
+            <a:off x="1293360" y="4259301"/>
+            <a:ext cx="9525000" cy="2286000"/>
           </a:xfrm>
           <a:prstGeom prst="rect">
             <a:avLst/>
@@ -9588,7 +9855,7 @@
     </p:spTree>
     <p:extLst>
       <p:ext uri="{BB962C8B-B14F-4D97-AF65-F5344CB8AC3E}">
-        <p14:creationId xmlns:p14="http://schemas.microsoft.com/office/powerpoint/2010/main" val="155172390"/>
+        <p14:creationId xmlns:p14="http://schemas.microsoft.com/office/powerpoint/2010/main" val="4018862466"/>
       </p:ext>
     </p:extLst>
   </p:cSld>
@@ -9817,8 +10084,8 @@
         </p:nvSpPr>
         <p:spPr>
           <a:xfrm>
-            <a:off x="973883" y="2406232"/>
-            <a:ext cx="10759510" cy="2785378"/>
+            <a:off x="676105" y="1256116"/>
+            <a:ext cx="10759510" cy="563231"/>
           </a:xfrm>
           <a:prstGeom prst="rect">
             <a:avLst/>
@@ -9843,327 +10110,21 @@
               </a:spcAft>
             </a:pPr>
             <a:r>
-              <a:rPr lang="en-US" altLang="zh-CN" sz="2000" dirty="0">
-                <a:latin typeface="Lantinghei SC Demibold" charset="-122"/>
-                <a:ea typeface="Lantinghei SC Demibold" charset="-122"/>
-                <a:cs typeface="Lantinghei SC Demibold" charset="-122"/>
-              </a:rPr>
-              <a:t>	</a:t>
-            </a:r>
-            <a:r>
-              <a:rPr lang="zh-CN" altLang="en-US" sz="2000" dirty="0">
-                <a:latin typeface="Lantinghei SC Demibold" charset="-122"/>
-                <a:ea typeface="Lantinghei SC Demibold" charset="-122"/>
-                <a:cs typeface="Lantinghei SC Demibold" charset="-122"/>
-              </a:rPr>
-              <a:t>此次实训</a:t>
-            </a:r>
-            <a:r>
-              <a:rPr lang="zh-CN" altLang="en-US" sz="2000" dirty="0" smtClean="0">
-                <a:latin typeface="Lantinghei SC Demibold" charset="-122"/>
-                <a:ea typeface="Lantinghei SC Demibold" charset="-122"/>
-                <a:cs typeface="Lantinghei SC Demibold" charset="-122"/>
-              </a:rPr>
-              <a:t>为移动端项目</a:t>
-            </a:r>
-            <a:r>
-              <a:rPr lang="zh-CN" altLang="en-US" sz="2000" dirty="0">
-                <a:latin typeface="Lantinghei SC Demibold" charset="-122"/>
-                <a:ea typeface="Lantinghei SC Demibold" charset="-122"/>
-                <a:cs typeface="Lantinghei SC Demibold" charset="-122"/>
-              </a:rPr>
-              <a:t>开发，所使用的前端语言为</a:t>
-            </a:r>
-            <a:r>
-              <a:rPr lang="en-US" altLang="zh-CN" sz="2000" dirty="0" smtClean="0">
-                <a:latin typeface="Lantinghei SC Demibold" charset="-122"/>
-                <a:ea typeface="Lantinghei SC Demibold" charset="-122"/>
-                <a:cs typeface="Lantinghei SC Demibold" charset="-122"/>
-              </a:rPr>
-              <a:t>HTML5/CSS3/JavaScript/</a:t>
-            </a:r>
-            <a:r>
-              <a:rPr lang="en-US" altLang="zh-CN" sz="2000" dirty="0" err="1" smtClean="0">
-                <a:latin typeface="Lantinghei SC Demibold" charset="-122"/>
-                <a:ea typeface="Lantinghei SC Demibold" charset="-122"/>
-                <a:cs typeface="Lantinghei SC Demibold" charset="-122"/>
-              </a:rPr>
-              <a:t>Vue</a:t>
-            </a:r>
-            <a:r>
-              <a:rPr lang="zh-CN" altLang="en-US" sz="2000" dirty="0" smtClean="0">
-                <a:latin typeface="Lantinghei SC Demibold" charset="-122"/>
-                <a:ea typeface="Lantinghei SC Demibold" charset="-122"/>
-                <a:cs typeface="Lantinghei SC Demibold" charset="-122"/>
-              </a:rPr>
-              <a:t>，</a:t>
-            </a:r>
-            <a:r>
-              <a:rPr lang="zh-CN" altLang="en-US" sz="2000" dirty="0">
-                <a:latin typeface="Lantinghei SC Demibold" charset="-122"/>
-                <a:ea typeface="Lantinghei SC Demibold" charset="-122"/>
-                <a:cs typeface="Lantinghei SC Demibold" charset="-122"/>
-              </a:rPr>
-              <a:t>服务器</a:t>
-            </a:r>
-            <a:r>
-              <a:rPr lang="zh-CN" altLang="en-US" sz="2000" dirty="0" smtClean="0">
-                <a:latin typeface="Lantinghei SC Demibold" charset="-122"/>
-                <a:ea typeface="Lantinghei SC Demibold" charset="-122"/>
-                <a:cs typeface="Lantinghei SC Demibold" charset="-122"/>
-              </a:rPr>
-              <a:t>端用</a:t>
-            </a:r>
-            <a:r>
-              <a:rPr lang="en-US" altLang="zh-CN" sz="2000" dirty="0" smtClean="0">
-                <a:latin typeface="Lantinghei SC Demibold" charset="-122"/>
-                <a:ea typeface="Lantinghei SC Demibold" charset="-122"/>
-                <a:cs typeface="Lantinghei SC Demibold" charset="-122"/>
-              </a:rPr>
-              <a:t>Node</a:t>
-            </a:r>
-            <a:r>
-              <a:rPr lang="zh-CN" altLang="en-US" sz="2000" dirty="0" smtClean="0">
-                <a:latin typeface="Lantinghei SC Demibold" charset="-122"/>
-                <a:ea typeface="Lantinghei SC Demibold" charset="-122"/>
-                <a:cs typeface="Lantinghei SC Demibold" charset="-122"/>
-              </a:rPr>
-              <a:t>做接口代理及接口转发。</a:t>
-            </a:r>
-            <a:endParaRPr lang="en-US" altLang="zh-CN" sz="2000" dirty="0">
-              <a:latin typeface="Lantinghei SC Demibold" charset="-122"/>
-              <a:ea typeface="Lantinghei SC Demibold" charset="-122"/>
-              <a:cs typeface="Lantinghei SC Demibold" charset="-122"/>
-            </a:endParaRPr>
-          </a:p>
-          <a:p>
-            <a:pPr algn="just" fontAlgn="base">
-              <a:lnSpc>
-                <a:spcPct val="175000"/>
-              </a:lnSpc>
-              <a:spcBef>
-                <a:spcPct val="0"/>
-              </a:spcBef>
-              <a:spcAft>
-                <a:spcPct val="0"/>
-              </a:spcAft>
-            </a:pPr>
-            <a:r>
-              <a:rPr lang="en-US" altLang="zh-CN" sz="2000" dirty="0">
-                <a:latin typeface="Lantinghei SC Demibold" charset="-122"/>
-                <a:ea typeface="Lantinghei SC Demibold" charset="-122"/>
-                <a:cs typeface="Lantinghei SC Demibold" charset="-122"/>
-              </a:rPr>
-              <a:t>	</a:t>
-            </a:r>
-            <a:r>
-              <a:rPr lang="zh-CN" altLang="en-US" sz="2000" dirty="0" smtClean="0">
-                <a:latin typeface="Lantinghei SC Demibold" charset="-122"/>
-                <a:ea typeface="Lantinghei SC Demibold" charset="-122"/>
-                <a:cs typeface="Lantinghei SC Demibold" charset="-122"/>
-              </a:rPr>
-              <a:t>在</a:t>
-            </a:r>
-            <a:r>
-              <a:rPr lang="zh-CN" altLang="en-US" sz="2000" dirty="0">
-                <a:latin typeface="Lantinghei SC Demibold" charset="-122"/>
-                <a:ea typeface="Lantinghei SC Demibold" charset="-122"/>
-                <a:cs typeface="Lantinghei SC Demibold" charset="-122"/>
-              </a:rPr>
-              <a:t>开始项目之前，我们需要</a:t>
-            </a:r>
-            <a:r>
-              <a:rPr lang="zh-CN" altLang="en-US" sz="2000" dirty="0" smtClean="0">
-                <a:latin typeface="Lantinghei SC Demibold" charset="-122"/>
-                <a:ea typeface="Lantinghei SC Demibold" charset="-122"/>
-                <a:cs typeface="Lantinghei SC Demibold" charset="-122"/>
-              </a:rPr>
-              <a:t>安装</a:t>
-            </a:r>
-            <a:r>
-              <a:rPr lang="en-US" altLang="zh-CN" sz="2000" dirty="0" smtClean="0">
-                <a:latin typeface="Lantinghei SC Demibold" charset="-122"/>
-                <a:ea typeface="Lantinghei SC Demibold" charset="-122"/>
-                <a:cs typeface="Lantinghei SC Demibold" charset="-122"/>
-              </a:rPr>
-              <a:t>Node,</a:t>
-            </a:r>
-            <a:r>
-              <a:rPr lang="zh-CN" altLang="en-US" sz="2000" dirty="0" smtClean="0">
-                <a:latin typeface="Lantinghei SC Demibold" charset="-122"/>
-                <a:ea typeface="Lantinghei SC Demibold" charset="-122"/>
-                <a:cs typeface="Lantinghei SC Demibold" charset="-122"/>
-              </a:rPr>
-              <a:t>以及</a:t>
-            </a:r>
-            <a:r>
-              <a:rPr lang="en-US" altLang="zh-CN" sz="2000" dirty="0" err="1" smtClean="0">
-                <a:latin typeface="Lantinghei SC Demibold" charset="-122"/>
-                <a:ea typeface="Lantinghei SC Demibold" charset="-122"/>
-                <a:cs typeface="Lantinghei SC Demibold" charset="-122"/>
-              </a:rPr>
-              <a:t>Vue</a:t>
-            </a:r>
-            <a:r>
-              <a:rPr lang="zh-CN" altLang="en-US" sz="2000" dirty="0" smtClean="0">
-                <a:latin typeface="Lantinghei SC Demibold" charset="-122"/>
-                <a:ea typeface="Lantinghei SC Demibold" charset="-122"/>
-                <a:cs typeface="Lantinghei SC Demibold" charset="-122"/>
-              </a:rPr>
-              <a:t>脚手架。</a:t>
-            </a:r>
-            <a:endParaRPr lang="en-US" altLang="zh-CN" sz="2000" dirty="0">
-              <a:latin typeface="Lantinghei SC Demibold" charset="-122"/>
-              <a:ea typeface="Lantinghei SC Demibold" charset="-122"/>
-              <a:cs typeface="Lantinghei SC Demibold" charset="-122"/>
-            </a:endParaRPr>
-          </a:p>
-          <a:p>
-            <a:pPr algn="just" fontAlgn="base">
-              <a:lnSpc>
-                <a:spcPct val="175000"/>
-              </a:lnSpc>
-              <a:spcBef>
-                <a:spcPct val="0"/>
-              </a:spcBef>
-              <a:spcAft>
-                <a:spcPct val="0"/>
-              </a:spcAft>
-            </a:pPr>
-            <a:r>
-              <a:rPr lang="en-US" altLang="zh-CN" sz="2000" dirty="0">
-                <a:latin typeface="Lantinghei SC Demibold" charset="-122"/>
-                <a:ea typeface="Lantinghei SC Demibold" charset="-122"/>
-                <a:cs typeface="Lantinghei SC Demibold" charset="-122"/>
-              </a:rPr>
-              <a:t>	</a:t>
-            </a:r>
-            <a:r>
-              <a:rPr lang="zh-CN" altLang="en-US" sz="2000" dirty="0">
-                <a:latin typeface="Lantinghei SC Demibold" charset="-122"/>
-                <a:ea typeface="Lantinghei SC Demibold" charset="-122"/>
-                <a:cs typeface="Lantinghei SC Demibold" charset="-122"/>
-              </a:rPr>
-              <a:t>如果你的电脑上已经安装</a:t>
-            </a:r>
-            <a:r>
-              <a:rPr lang="zh-CN" altLang="en-US" sz="2000" dirty="0" smtClean="0">
-                <a:latin typeface="Lantinghei SC Demibold" charset="-122"/>
-                <a:ea typeface="Lantinghei SC Demibold" charset="-122"/>
-                <a:cs typeface="Lantinghei SC Demibold" charset="-122"/>
-              </a:rPr>
-              <a:t>了</a:t>
-            </a:r>
-            <a:r>
-              <a:rPr lang="en-US" altLang="zh-CN" sz="2000" dirty="0" smtClean="0">
-                <a:latin typeface="Lantinghei SC Demibold" charset="-122"/>
-                <a:ea typeface="Lantinghei SC Demibold" charset="-122"/>
-                <a:cs typeface="Lantinghei SC Demibold" charset="-122"/>
-              </a:rPr>
-              <a:t>Node</a:t>
-            </a:r>
-            <a:r>
-              <a:rPr lang="zh-CN" altLang="en-US" sz="2000" dirty="0" smtClean="0">
-                <a:latin typeface="Lantinghei SC Demibold" charset="-122"/>
-                <a:ea typeface="Lantinghei SC Demibold" charset="-122"/>
-                <a:cs typeface="Lantinghei SC Demibold" charset="-122"/>
-              </a:rPr>
-              <a:t>以及</a:t>
-            </a:r>
-            <a:r>
-              <a:rPr lang="en-US" altLang="zh-CN" sz="2000" dirty="0" err="1" smtClean="0">
-                <a:latin typeface="Lantinghei SC Demibold" charset="-122"/>
-                <a:ea typeface="Lantinghei SC Demibold" charset="-122"/>
-                <a:cs typeface="Lantinghei SC Demibold" charset="-122"/>
-              </a:rPr>
-              <a:t>Vue</a:t>
-            </a:r>
-            <a:r>
-              <a:rPr lang="zh-CN" altLang="en-US" sz="2000" dirty="0" smtClean="0">
-                <a:latin typeface="Lantinghei SC Demibold" charset="-122"/>
-                <a:ea typeface="Lantinghei SC Demibold" charset="-122"/>
-                <a:cs typeface="Lantinghei SC Demibold" charset="-122"/>
-              </a:rPr>
-              <a:t>脚手架，</a:t>
-            </a:r>
-            <a:r>
-              <a:rPr lang="zh-CN" altLang="en-US" sz="2000" dirty="0">
-                <a:latin typeface="Lantinghei SC Demibold" charset="-122"/>
-                <a:ea typeface="Lantinghei SC Demibold" charset="-122"/>
-                <a:cs typeface="Lantinghei SC Demibold" charset="-122"/>
-              </a:rPr>
-              <a:t>则可以直接使用</a:t>
-            </a:r>
-            <a:r>
-              <a:rPr lang="zh-CN" altLang="en-US" sz="2000" dirty="0" smtClean="0">
-                <a:latin typeface="Lantinghei SC Demibold" charset="-122"/>
-                <a:ea typeface="Lantinghei SC Demibold" charset="-122"/>
-                <a:cs typeface="Lantinghei SC Demibold" charset="-122"/>
-              </a:rPr>
-              <a:t>。</a:t>
-            </a:r>
-            <a:endParaRPr lang="en-US" altLang="zh-CN" sz="2000" dirty="0" smtClean="0">
-              <a:latin typeface="Lantinghei SC Demibold" charset="-122"/>
-              <a:ea typeface="Lantinghei SC Demibold" charset="-122"/>
-              <a:cs typeface="Lantinghei SC Demibold" charset="-122"/>
-            </a:endParaRPr>
-          </a:p>
-          <a:p>
-            <a:pPr algn="just" fontAlgn="base">
-              <a:lnSpc>
-                <a:spcPct val="175000"/>
-              </a:lnSpc>
-              <a:spcBef>
-                <a:spcPct val="0"/>
-              </a:spcBef>
-              <a:spcAft>
-                <a:spcPct val="0"/>
-              </a:spcAft>
-            </a:pPr>
-            <a:r>
-              <a:rPr lang="en-US" altLang="zh-CN" sz="2000" dirty="0">
-                <a:latin typeface="Lantinghei SC Demibold" charset="-122"/>
-                <a:ea typeface="Lantinghei SC Demibold" charset="-122"/>
-                <a:cs typeface="Lantinghei SC Demibold" charset="-122"/>
-              </a:rPr>
-              <a:t>	</a:t>
-            </a:r>
-            <a:r>
-              <a:rPr lang="zh-CN" altLang="en-US" sz="2000" dirty="0" smtClean="0">
-                <a:latin typeface="Lantinghei SC Demibold" charset="-122"/>
-                <a:ea typeface="Lantinghei SC Demibold" charset="-122"/>
-                <a:cs typeface="Lantinghei SC Demibold" charset="-122"/>
-              </a:rPr>
-              <a:t>如果没有安装</a:t>
-            </a:r>
-            <a:r>
-              <a:rPr lang="en-US" altLang="zh-CN" sz="2000" dirty="0" smtClean="0">
-                <a:latin typeface="Lantinghei SC Demibold" charset="-122"/>
-                <a:ea typeface="Lantinghei SC Demibold" charset="-122"/>
-                <a:cs typeface="Lantinghei SC Demibold" charset="-122"/>
-              </a:rPr>
-              <a:t>,</a:t>
-            </a:r>
-            <a:r>
-              <a:rPr lang="zh-CN" altLang="en-US" sz="2000" dirty="0" smtClean="0">
-                <a:latin typeface="Lantinghei SC Demibold" charset="-122"/>
-                <a:ea typeface="Lantinghei SC Demibold" charset="-122"/>
-                <a:cs typeface="Lantinghei SC Demibold" charset="-122"/>
-              </a:rPr>
-              <a:t>那么需要安装一下</a:t>
-            </a:r>
-            <a:r>
-              <a:rPr lang="en-US" altLang="zh-CN" sz="2000" dirty="0" smtClean="0">
-                <a:latin typeface="Lantinghei SC Demibold" charset="-122"/>
-                <a:ea typeface="Lantinghei SC Demibold" charset="-122"/>
-                <a:cs typeface="Lantinghei SC Demibold" charset="-122"/>
-              </a:rPr>
-              <a:t>.</a:t>
-            </a:r>
-            <a:endParaRPr lang="en-US" altLang="zh-CN" sz="2000" dirty="0">
-              <a:latin typeface="Lantinghei SC Demibold" charset="-122"/>
-              <a:ea typeface="Lantinghei SC Demibold" charset="-122"/>
-              <a:cs typeface="Lantinghei SC Demibold" charset="-122"/>
+              <a:rPr lang="zh-CN" altLang="en-US" sz="2000" dirty="0"/>
+              <a:t>首先，我们进入</a:t>
+            </a:r>
+            <a:r>
+              <a:rPr lang="en-US" altLang="zh-CN" sz="2000" dirty="0"/>
+              <a:t>Node.js</a:t>
+            </a:r>
+            <a:r>
+              <a:rPr lang="zh-CN" altLang="en-US" sz="2000" dirty="0"/>
+              <a:t>中文官网，找到下载安装包。如图：</a:t>
+            </a:r>
+            <a:endParaRPr lang="zh-CN" altLang="en-US" sz="2000" dirty="0">
+              <a:latin typeface="微软雅黑"/>
+              <a:ea typeface="微软雅黑"/>
+              <a:sym typeface="Gill Sans" charset="0"/>
             </a:endParaRPr>
           </a:p>
         </p:txBody>
@@ -10198,10 +10159,34 @@
           </a:prstGeom>
         </p:spPr>
       </p:pic>
+      <p:pic>
+        <p:nvPicPr>
+          <p:cNvPr id="8" name="图片 7"/>
+          <p:cNvPicPr>
+            <a:picLocks noChangeAspect="1"/>
+          </p:cNvPicPr>
+          <p:nvPr/>
+        </p:nvPicPr>
+        <p:blipFill>
+          <a:blip r:embed="rId4"/>
+          <a:stretch>
+            <a:fillRect/>
+          </a:stretch>
+        </p:blipFill>
+        <p:spPr>
+          <a:xfrm>
+            <a:off x="1498324" y="2138244"/>
+            <a:ext cx="8267700" cy="4257675"/>
+          </a:xfrm>
+          <a:prstGeom prst="rect">
+            <a:avLst/>
+          </a:prstGeom>
+        </p:spPr>
+      </p:pic>
     </p:spTree>
     <p:extLst>
       <p:ext uri="{BB962C8B-B14F-4D97-AF65-F5344CB8AC3E}">
-        <p14:creationId xmlns:p14="http://schemas.microsoft.com/office/powerpoint/2010/main" val="1350103627"/>
+        <p14:creationId xmlns:p14="http://schemas.microsoft.com/office/powerpoint/2010/main" val="1653460586"/>
       </p:ext>
     </p:extLst>
   </p:cSld>
@@ -10430,8 +10415,8 @@
         </p:nvSpPr>
         <p:spPr>
           <a:xfrm>
-            <a:off x="676105" y="1355656"/>
-            <a:ext cx="10759510" cy="2785378"/>
+            <a:off x="676105" y="1071897"/>
+            <a:ext cx="10759510" cy="1101840"/>
           </a:xfrm>
           <a:prstGeom prst="rect">
             <a:avLst/>
@@ -10456,166 +10441,16 @@
               </a:spcAft>
             </a:pPr>
             <a:r>
-              <a:rPr lang="en-US" altLang="zh-CN" sz="2000" dirty="0" smtClean="0">
-                <a:solidFill>
-                  <a:srgbClr val="FF0000"/>
-                </a:solidFill>
-                <a:latin typeface="Lantinghei SC Demibold" charset="-122"/>
-                <a:ea typeface="Lantinghei SC Demibold" charset="-122"/>
-                <a:cs typeface="Lantinghei SC Demibold" charset="-122"/>
-              </a:rPr>
-              <a:t>Node</a:t>
-            </a:r>
-            <a:r>
-              <a:rPr lang="zh-CN" altLang="en-US" sz="2000" dirty="0" smtClean="0">
-                <a:latin typeface="Lantinghei SC Demibold" charset="-122"/>
-                <a:ea typeface="Lantinghei SC Demibold" charset="-122"/>
-                <a:cs typeface="Lantinghei SC Demibold" charset="-122"/>
-              </a:rPr>
-              <a:t>简介</a:t>
-            </a:r>
-            <a:r>
-              <a:rPr lang="zh-CN" altLang="en-US" sz="2000" dirty="0">
-                <a:latin typeface="Lantinghei SC Demibold" charset="-122"/>
-                <a:ea typeface="Lantinghei SC Demibold" charset="-122"/>
-                <a:cs typeface="Lantinghei SC Demibold" charset="-122"/>
-              </a:rPr>
-              <a:t>：</a:t>
-            </a:r>
-            <a:endParaRPr lang="en-US" altLang="zh-CN" sz="2000" dirty="0">
-              <a:latin typeface="Lantinghei SC Demibold" charset="-122"/>
-              <a:ea typeface="Lantinghei SC Demibold" charset="-122"/>
-              <a:cs typeface="Lantinghei SC Demibold" charset="-122"/>
-            </a:endParaRPr>
-          </a:p>
-          <a:p>
-            <a:pPr algn="just" fontAlgn="base">
-              <a:lnSpc>
-                <a:spcPct val="175000"/>
-              </a:lnSpc>
-              <a:spcBef>
-                <a:spcPct val="0"/>
-              </a:spcBef>
-              <a:spcAft>
-                <a:spcPct val="0"/>
-              </a:spcAft>
-            </a:pPr>
-            <a:r>
-              <a:rPr lang="en-US" altLang="zh-CN" sz="2000" dirty="0">
-                <a:latin typeface="微软雅黑"/>
-                <a:ea typeface="Lantinghei SC Demibold" charset="-122"/>
-                <a:sym typeface="Gill Sans" charset="0"/>
-              </a:rPr>
-              <a:t>	</a:t>
-            </a:r>
-            <a:r>
-              <a:rPr lang="en-US" altLang="zh-CN" sz="2000" dirty="0"/>
-              <a:t>Node.js </a:t>
-            </a:r>
-            <a:r>
               <a:rPr lang="zh-CN" altLang="en-US" sz="2000" dirty="0"/>
-              <a:t>是一个基于 </a:t>
-            </a:r>
-            <a:r>
-              <a:rPr lang="en-US" altLang="zh-CN" sz="2000" dirty="0"/>
-              <a:t>Chrome V8 </a:t>
+              <a:t>接着，根据我们电脑系统类型，选择相应的安装包（这里建议大家选择</a:t>
+            </a:r>
+            <a:r>
+              <a:rPr lang="en-US" altLang="zh-CN" sz="2000" dirty="0" err="1"/>
+              <a:t>msi</a:t>
             </a:r>
             <a:r>
               <a:rPr lang="zh-CN" altLang="en-US" sz="2000" dirty="0"/>
-              <a:t>引擎的 </a:t>
-            </a:r>
-            <a:r>
-              <a:rPr lang="en-US" altLang="zh-CN" sz="2000" dirty="0"/>
-              <a:t>JavaScript </a:t>
-            </a:r>
-            <a:r>
-              <a:rPr lang="zh-CN" altLang="en-US" sz="2000" dirty="0"/>
-              <a:t>运行环境。 </a:t>
-            </a:r>
-            <a:br>
-              <a:rPr lang="zh-CN" altLang="en-US" sz="2000" dirty="0"/>
-            </a:br>
-            <a:r>
-              <a:rPr lang="en-US" altLang="zh-CN" sz="2000" dirty="0"/>
-              <a:t>Node.js </a:t>
-            </a:r>
-            <a:r>
-              <a:rPr lang="zh-CN" altLang="en-US" sz="2000" dirty="0"/>
-              <a:t>使用了一个事件驱动、非阻塞式 </a:t>
-            </a:r>
-            <a:r>
-              <a:rPr lang="en-US" altLang="zh-CN" sz="2000" dirty="0"/>
-              <a:t>I/O </a:t>
-            </a:r>
-            <a:r>
-              <a:rPr lang="zh-CN" altLang="en-US" sz="2000" dirty="0"/>
-              <a:t>的模型，使其轻量又高效</a:t>
-            </a:r>
-            <a:r>
-              <a:rPr lang="zh-CN" altLang="en-US" sz="2000" dirty="0" smtClean="0">
-                <a:latin typeface="微软雅黑"/>
-                <a:ea typeface="Lantinghei SC Demibold" charset="-122"/>
-                <a:sym typeface="Gill Sans" charset="0"/>
-              </a:rPr>
-              <a:t>。</a:t>
-            </a:r>
-            <a:endParaRPr lang="en-US" altLang="zh-CN" sz="2000" dirty="0">
-              <a:latin typeface="微软雅黑"/>
-              <a:ea typeface="Lantinghei SC Demibold" charset="-122"/>
-              <a:sym typeface="Gill Sans" charset="0"/>
-            </a:endParaRPr>
-          </a:p>
-          <a:p>
-            <a:pPr algn="just" fontAlgn="base">
-              <a:lnSpc>
-                <a:spcPct val="175000"/>
-              </a:lnSpc>
-              <a:spcBef>
-                <a:spcPct val="0"/>
-              </a:spcBef>
-              <a:spcAft>
-                <a:spcPct val="0"/>
-              </a:spcAft>
-            </a:pPr>
-            <a:endParaRPr lang="en-US" altLang="zh-CN" sz="2000" dirty="0">
-              <a:latin typeface="微软雅黑"/>
-              <a:ea typeface="Lantinghei SC Demibold" charset="-122"/>
-              <a:sym typeface="Gill Sans" charset="0"/>
-            </a:endParaRPr>
-          </a:p>
-          <a:p>
-            <a:pPr algn="just" fontAlgn="base">
-              <a:lnSpc>
-                <a:spcPct val="175000"/>
-              </a:lnSpc>
-              <a:spcBef>
-                <a:spcPct val="0"/>
-              </a:spcBef>
-              <a:spcAft>
-                <a:spcPct val="0"/>
-              </a:spcAft>
-            </a:pPr>
-            <a:r>
-              <a:rPr lang="zh-CN" altLang="en-US" sz="2000" dirty="0">
-                <a:latin typeface="微软雅黑"/>
-                <a:ea typeface="Lantinghei SC Demibold" charset="-122"/>
-                <a:sym typeface="Gill Sans" charset="0"/>
-              </a:rPr>
-              <a:t>下载地址：</a:t>
-            </a:r>
-            <a:r>
-              <a:rPr lang="en-US" altLang="zh-CN" sz="2000" dirty="0">
-                <a:latin typeface="微软雅黑"/>
-                <a:ea typeface="Lantinghei SC Demibold" charset="-122"/>
-                <a:sym typeface="Gill Sans" charset="0"/>
-              </a:rPr>
-              <a:t> </a:t>
-            </a:r>
-            <a:r>
-              <a:rPr lang="en-US" altLang="zh-CN" sz="2000" dirty="0">
-                <a:hlinkClick r:id="rId3"/>
-              </a:rPr>
-              <a:t>http://nodejs.cn/download/</a:t>
+              <a:t>的安装包，安装操作比较简单。）。如图：</a:t>
             </a:r>
             <a:endParaRPr lang="zh-CN" altLang="en-US" sz="2000" dirty="0">
               <a:latin typeface="微软雅黑"/>
@@ -10634,7 +10469,7 @@
           <p:nvPr/>
         </p:nvPicPr>
         <p:blipFill>
-          <a:blip r:embed="rId4">
+          <a:blip r:embed="rId3">
             <a:extLst>
               <a:ext uri="{28A0092B-C50C-407E-A947-70E740481C1C}">
                 <a14:useLocalDpi xmlns:a14="http://schemas.microsoft.com/office/drawing/2010/main" val="0"/>
@@ -10664,15 +10499,15 @@
           <p:nvPr/>
         </p:nvPicPr>
         <p:blipFill>
-          <a:blip r:embed="rId5"/>
+          <a:blip r:embed="rId4"/>
           <a:stretch>
             <a:fillRect/>
           </a:stretch>
         </p:blipFill>
         <p:spPr>
           <a:xfrm>
-            <a:off x="1293360" y="4259301"/>
-            <a:ext cx="9525000" cy="2286000"/>
+            <a:off x="1779912" y="2449658"/>
+            <a:ext cx="8391525" cy="3829050"/>
           </a:xfrm>
           <a:prstGeom prst="rect">
             <a:avLst/>
@@ -10682,7 +10517,7 @@
     </p:spTree>
     <p:extLst>
       <p:ext uri="{BB962C8B-B14F-4D97-AF65-F5344CB8AC3E}">
-        <p14:creationId xmlns:p14="http://schemas.microsoft.com/office/powerpoint/2010/main" val="4018862466"/>
+        <p14:creationId xmlns:p14="http://schemas.microsoft.com/office/powerpoint/2010/main" val="3081607965"/>
       </p:ext>
     </p:extLst>
   </p:cSld>
@@ -10911,7 +10746,7 @@
         </p:nvSpPr>
         <p:spPr>
           <a:xfrm>
-            <a:off x="676105" y="1256116"/>
+            <a:off x="676105" y="1071897"/>
             <a:ext cx="10759510" cy="563231"/>
           </a:xfrm>
           <a:prstGeom prst="rect">
@@ -10938,7 +10773,15 @@
             </a:pPr>
             <a:r>
               <a:rPr lang="zh-CN" altLang="en-US" sz="2000" dirty="0"/>
-              <a:t>首先，我们进入</a:t>
+              <a:t>等待下载完成</a:t>
+            </a:r>
+            <a:r>
+              <a:rPr lang="zh-CN" altLang="en-US" sz="2000" dirty="0" smtClean="0"/>
+              <a:t>。</a:t>
+            </a:r>
+            <a:r>
+              <a:rPr lang="zh-CN" altLang="en-US" sz="2000" dirty="0"/>
+              <a:t>双击下载完成的</a:t>
             </a:r>
             <a:r>
               <a:rPr lang="en-US" altLang="zh-CN" sz="2000" dirty="0"/>
@@ -10946,7 +10789,7 @@
             </a:r>
             <a:r>
               <a:rPr lang="zh-CN" altLang="en-US" sz="2000" dirty="0"/>
-              <a:t>中文官网，找到下载安装包。如图：</a:t>
+              <a:t>安装包，如图：</a:t>
             </a:r>
             <a:endParaRPr lang="zh-CN" altLang="en-US" sz="2000" dirty="0">
               <a:latin typeface="微软雅黑"/>
@@ -10988,7 +10831,7 @@
       </p:pic>
       <p:pic>
         <p:nvPicPr>
-          <p:cNvPr id="8" name="图片 7"/>
+          <p:cNvPr id="2" name="图片 1"/>
           <p:cNvPicPr>
             <a:picLocks noChangeAspect="1"/>
           </p:cNvPicPr>
@@ -11002,8 +10845,8 @@
         </p:blipFill>
         <p:spPr>
           <a:xfrm>
-            <a:off x="1498324" y="2138244"/>
-            <a:ext cx="8267700" cy="4257675"/>
+            <a:off x="1902960" y="2167144"/>
+            <a:ext cx="8305800" cy="3981450"/>
           </a:xfrm>
           <a:prstGeom prst="rect">
             <a:avLst/>
@@ -11013,7 +10856,7 @@
     </p:spTree>
     <p:extLst>
       <p:ext uri="{BB962C8B-B14F-4D97-AF65-F5344CB8AC3E}">
-        <p14:creationId xmlns:p14="http://schemas.microsoft.com/office/powerpoint/2010/main" val="1653460586"/>
+        <p14:creationId xmlns:p14="http://schemas.microsoft.com/office/powerpoint/2010/main" val="3238338017"/>
       </p:ext>
     </p:extLst>
   </p:cSld>
@@ -11302,8 +11145,8 @@
         </p:nvSpPr>
         <p:spPr>
           <a:xfrm>
-            <a:off x="676105" y="1071897"/>
-            <a:ext cx="10759510" cy="1101840"/>
+            <a:off x="676105" y="1116202"/>
+            <a:ext cx="10759510" cy="563231"/>
           </a:xfrm>
           <a:prstGeom prst="rect">
             <a:avLst/>
@@ -11329,19 +11172,19 @@
             </a:pPr>
             <a:r>
               <a:rPr lang="zh-CN" altLang="en-US" sz="2000" dirty="0"/>
-              <a:t>接着，根据我们电脑系统类型，选择相应的安装包（这里建议大家选择</a:t>
-            </a:r>
-            <a:r>
-              <a:rPr lang="en-US" altLang="zh-CN" sz="2000" dirty="0" err="1"/>
-              <a:t>msi</a:t>
+              <a:t>接着，在弹出的安装界面，选择“</a:t>
+            </a:r>
+            <a:r>
+              <a:rPr lang="en-US" altLang="zh-CN" sz="2000" dirty="0"/>
+              <a:t>Next</a:t>
             </a:r>
             <a:r>
               <a:rPr lang="zh-CN" altLang="en-US" sz="2000" dirty="0"/>
-              <a:t>的安装包，安装操作比较简单。）。如图：</a:t>
-            </a:r>
-            <a:endParaRPr lang="zh-CN" altLang="en-US" sz="2000" dirty="0">
+              <a:t>（下一步）”。如图：</a:t>
+            </a:r>
+            <a:endParaRPr lang="en-US" altLang="zh-CN" sz="2000" dirty="0">
               <a:latin typeface="微软雅黑"/>
-              <a:ea typeface="微软雅黑"/>
+              <a:ea typeface="Lantinghei SC Demibold" charset="-122"/>
               <a:sym typeface="Gill Sans" charset="0"/>
             </a:endParaRPr>
           </a:p>
@@ -11379,7 +11222,7 @@
       </p:pic>
       <p:pic>
         <p:nvPicPr>
-          <p:cNvPr id="4" name="图片 3"/>
+          <p:cNvPr id="5" name="图片 4"/>
           <p:cNvPicPr>
             <a:picLocks noChangeAspect="1"/>
           </p:cNvPicPr>
@@ -11393,8 +11236,8 @@
         </p:blipFill>
         <p:spPr>
           <a:xfrm>
-            <a:off x="1779912" y="2449658"/>
-            <a:ext cx="8391525" cy="3829050"/>
+            <a:off x="3626985" y="2323097"/>
+            <a:ext cx="4857750" cy="3714750"/>
           </a:xfrm>
           <a:prstGeom prst="rect">
             <a:avLst/>
@@ -11404,7 +11247,7 @@
     </p:spTree>
     <p:extLst>
       <p:ext uri="{BB962C8B-B14F-4D97-AF65-F5344CB8AC3E}">
-        <p14:creationId xmlns:p14="http://schemas.microsoft.com/office/powerpoint/2010/main" val="3081607965"/>
+        <p14:creationId xmlns:p14="http://schemas.microsoft.com/office/powerpoint/2010/main" val="356203381"/>
       </p:ext>
     </p:extLst>
   </p:cSld>
@@ -11633,8 +11476,8 @@
         </p:nvSpPr>
         <p:spPr>
           <a:xfrm>
-            <a:off x="676105" y="1071897"/>
-            <a:ext cx="10759510" cy="563231"/>
+            <a:off x="676105" y="1116202"/>
+            <a:ext cx="10759510" cy="630942"/>
           </a:xfrm>
           <a:prstGeom prst="rect">
             <a:avLst/>
@@ -11660,27 +11503,23 @@
             </a:pPr>
             <a:r>
               <a:rPr lang="zh-CN" altLang="en-US" sz="2000" dirty="0"/>
-              <a:t>等待下载完成</a:t>
-            </a:r>
-            <a:r>
-              <a:rPr lang="zh-CN" altLang="en-US" sz="2000" dirty="0" smtClean="0"/>
-              <a:t>。</a:t>
+              <a:t>勾选接受协议选项，点击 </a:t>
+            </a:r>
+            <a:r>
+              <a:rPr lang="en-US" altLang="zh-CN" sz="2000" dirty="0"/>
+              <a:t>next</a:t>
             </a:r>
             <a:r>
               <a:rPr lang="zh-CN" altLang="en-US" sz="2000" dirty="0"/>
-              <a:t>双击下载完成的</a:t>
-            </a:r>
-            <a:r>
-              <a:rPr lang="en-US" altLang="zh-CN" sz="2000" dirty="0"/>
-              <a:t>Node.js</a:t>
-            </a:r>
-            <a:r>
-              <a:rPr lang="zh-CN" altLang="en-US" sz="2000" dirty="0"/>
-              <a:t>安装包，如图：</a:t>
-            </a:r>
-            <a:endParaRPr lang="zh-CN" altLang="en-US" sz="2000" dirty="0">
+              <a:t>（下一步） 按钮 </a:t>
+            </a:r>
+            <a:r>
+              <a:rPr lang="en-US" altLang="zh-CN" sz="2000" dirty="0" smtClean="0"/>
+              <a:t>:</a:t>
+            </a:r>
+            <a:endParaRPr lang="en-US" altLang="zh-CN" sz="2000" dirty="0">
               <a:latin typeface="微软雅黑"/>
-              <a:ea typeface="微软雅黑"/>
+              <a:ea typeface="Lantinghei SC Demibold" charset="-122"/>
               <a:sym typeface="Gill Sans" charset="0"/>
             </a:endParaRPr>
           </a:p>
@@ -11718,7 +11557,7 @@
       </p:pic>
       <p:pic>
         <p:nvPicPr>
-          <p:cNvPr id="2" name="图片 1"/>
+          <p:cNvPr id="5" name="图片 4"/>
           <p:cNvPicPr>
             <a:picLocks noChangeAspect="1"/>
           </p:cNvPicPr>
@@ -11732,8 +11571,8 @@
         </p:blipFill>
         <p:spPr>
           <a:xfrm>
-            <a:off x="1902960" y="2167144"/>
-            <a:ext cx="8305800" cy="3981450"/>
+            <a:off x="3617460" y="2221602"/>
+            <a:ext cx="4876800" cy="3819525"/>
           </a:xfrm>
           <a:prstGeom prst="rect">
             <a:avLst/>
@@ -11743,7 +11582,7 @@
     </p:spTree>
     <p:extLst>
       <p:ext uri="{BB962C8B-B14F-4D97-AF65-F5344CB8AC3E}">
-        <p14:creationId xmlns:p14="http://schemas.microsoft.com/office/powerpoint/2010/main" val="3238338017"/>
+        <p14:creationId xmlns:p14="http://schemas.microsoft.com/office/powerpoint/2010/main" val="53099217"/>
       </p:ext>
     </p:extLst>
   </p:cSld>
@@ -11972,7 +11811,7 @@
         </p:nvSpPr>
         <p:spPr>
           <a:xfrm>
-            <a:off x="676105" y="1116202"/>
+            <a:off x="676105" y="990228"/>
             <a:ext cx="10759510" cy="563231"/>
           </a:xfrm>
           <a:prstGeom prst="rect">
@@ -11998,16 +11837,36 @@
               </a:spcAft>
             </a:pPr>
             <a:r>
+              <a:rPr lang="en-US" altLang="zh-CN" sz="2000" dirty="0"/>
+              <a:t>Node.js</a:t>
+            </a:r>
+            <a:r>
               <a:rPr lang="zh-CN" altLang="en-US" sz="2000" dirty="0"/>
-              <a:t>接着，在弹出的安装界面，选择“</a:t>
+              <a:t>默认安装目录为 </a:t>
             </a:r>
             <a:r>
               <a:rPr lang="en-US" altLang="zh-CN" sz="2000" dirty="0"/>
-              <a:t>Next</a:t>
+              <a:t>"C:\Program Files\</a:t>
+            </a:r>
+            <a:r>
+              <a:rPr lang="en-US" altLang="zh-CN" sz="2000" dirty="0" err="1"/>
+              <a:t>nodejs</a:t>
+            </a:r>
+            <a:r>
+              <a:rPr lang="en-US" altLang="zh-CN" sz="2000" dirty="0"/>
+              <a:t>\" , </a:t>
             </a:r>
             <a:r>
               <a:rPr lang="zh-CN" altLang="en-US" sz="2000" dirty="0"/>
-              <a:t>（下一步）”。如图：</a:t>
+              <a:t>你可以修改目录，并点击 </a:t>
+            </a:r>
+            <a:r>
+              <a:rPr lang="en-US" altLang="zh-CN" sz="2000" dirty="0"/>
+              <a:t>next</a:t>
+            </a:r>
+            <a:r>
+              <a:rPr lang="zh-CN" altLang="en-US" sz="2000" dirty="0"/>
+              <a:t>（下一步）：</a:t>
             </a:r>
             <a:endParaRPr lang="en-US" altLang="zh-CN" sz="2000" dirty="0">
               <a:latin typeface="微软雅黑"/>
@@ -12063,8 +11922,8 @@
         </p:blipFill>
         <p:spPr>
           <a:xfrm>
-            <a:off x="3626985" y="2323097"/>
-            <a:ext cx="4857750" cy="3714750"/>
+            <a:off x="3622222" y="2319130"/>
+            <a:ext cx="4867275" cy="3810000"/>
           </a:xfrm>
           <a:prstGeom prst="rect">
             <a:avLst/>
@@ -12074,7 +11933,7 @@
     </p:spTree>
     <p:extLst>
       <p:ext uri="{BB962C8B-B14F-4D97-AF65-F5344CB8AC3E}">
-        <p14:creationId xmlns:p14="http://schemas.microsoft.com/office/powerpoint/2010/main" val="356203381"/>
+        <p14:creationId xmlns:p14="http://schemas.microsoft.com/office/powerpoint/2010/main" val="826803034"/>
       </p:ext>
     </p:extLst>
   </p:cSld>
@@ -12303,8 +12162,8 @@
         </p:nvSpPr>
         <p:spPr>
           <a:xfrm>
-            <a:off x="676105" y="1116202"/>
-            <a:ext cx="10759510" cy="630942"/>
+            <a:off x="676105" y="990228"/>
+            <a:ext cx="10759510" cy="563231"/>
           </a:xfrm>
           <a:prstGeom prst="rect">
             <a:avLst/>
@@ -12330,7 +12189,15 @@
             </a:pPr>
             <a:r>
               <a:rPr lang="zh-CN" altLang="en-US" sz="2000" dirty="0"/>
-              <a:t>勾选接受协议选项，点击 </a:t>
+              <a:t> 点击树形图标来选择你需要的安装模式 </a:t>
+            </a:r>
+            <a:r>
+              <a:rPr lang="en-US" altLang="zh-CN" sz="2000" dirty="0"/>
+              <a:t>, </a:t>
+            </a:r>
+            <a:r>
+              <a:rPr lang="zh-CN" altLang="en-US" sz="2000" dirty="0"/>
+              <a:t>然后点击下一步 </a:t>
             </a:r>
             <a:r>
               <a:rPr lang="en-US" altLang="zh-CN" sz="2000" dirty="0"/>
@@ -12338,11 +12205,11 @@
             </a:r>
             <a:r>
               <a:rPr lang="zh-CN" altLang="en-US" sz="2000" dirty="0"/>
-              <a:t>（下一步） 按钮 </a:t>
-            </a:r>
-            <a:r>
-              <a:rPr lang="en-US" altLang="zh-CN" sz="2000" dirty="0" smtClean="0"/>
-              <a:t>:</a:t>
+              <a:t>（下一步</a:t>
+            </a:r>
+            <a:r>
+              <a:rPr lang="zh-CN" altLang="en-US" sz="2000" dirty="0" smtClean="0"/>
+              <a:t>：</a:t>
             </a:r>
             <a:endParaRPr lang="en-US" altLang="zh-CN" sz="2000" dirty="0">
               <a:latin typeface="微软雅黑"/>
@@ -12398,8 +12265,8 @@
         </p:blipFill>
         <p:spPr>
           <a:xfrm>
-            <a:off x="3617460" y="2221602"/>
-            <a:ext cx="4876800" cy="3819525"/>
+            <a:off x="3594328" y="2305878"/>
+            <a:ext cx="4800600" cy="3810000"/>
           </a:xfrm>
           <a:prstGeom prst="rect">
             <a:avLst/>
@@ -12409,7 +12276,7 @@
     </p:spTree>
     <p:extLst>
       <p:ext uri="{BB962C8B-B14F-4D97-AF65-F5344CB8AC3E}">
-        <p14:creationId xmlns:p14="http://schemas.microsoft.com/office/powerpoint/2010/main" val="53099217"/>
+        <p14:creationId xmlns:p14="http://schemas.microsoft.com/office/powerpoint/2010/main" val="3370839646"/>
       </p:ext>
     </p:extLst>
   </p:cSld>
@@ -12639,7 +12506,7 @@
         <p:spPr>
           <a:xfrm>
             <a:off x="676105" y="990228"/>
-            <a:ext cx="10759510" cy="563231"/>
+            <a:ext cx="10759510" cy="1169551"/>
           </a:xfrm>
           <a:prstGeom prst="rect">
             <a:avLst/>
@@ -12664,28 +12531,32 @@
               </a:spcAft>
             </a:pPr>
             <a:r>
+              <a:rPr lang="zh-CN" altLang="en-US" sz="2000" dirty="0"/>
+              <a:t> 点击 </a:t>
+            </a:r>
+            <a:r>
+              <a:rPr lang="en-US" altLang="zh-CN" sz="2000" dirty="0"/>
+              <a:t>Install</a:t>
+            </a:r>
+            <a:r>
+              <a:rPr lang="zh-CN" altLang="en-US" sz="2000" dirty="0"/>
+              <a:t>（安装） 开始安装</a:t>
+            </a:r>
+            <a:r>
               <a:rPr lang="en-US" altLang="zh-CN" sz="2000" dirty="0"/>
               <a:t>Node.js</a:t>
             </a:r>
             <a:r>
               <a:rPr lang="zh-CN" altLang="en-US" sz="2000" dirty="0"/>
-              <a:t>默认安装目录为 </a:t>
+              <a:t>。你也可以点击 </a:t>
             </a:r>
             <a:r>
               <a:rPr lang="en-US" altLang="zh-CN" sz="2000" dirty="0"/>
-              <a:t>"C:\Program Files\</a:t>
-            </a:r>
-            <a:r>
-              <a:rPr lang="en-US" altLang="zh-CN" sz="2000" dirty="0" err="1"/>
-              <a:t>nodejs</a:t>
-            </a:r>
-            <a:r>
-              <a:rPr lang="en-US" altLang="zh-CN" sz="2000" dirty="0"/>
-              <a:t>\" , </a:t>
+              <a:t>Back</a:t>
             </a:r>
             <a:r>
               <a:rPr lang="zh-CN" altLang="en-US" sz="2000" dirty="0"/>
-              <a:t>你可以修改目录，并点击 </a:t>
+              <a:t>（返回）来修改先前的配置。 然后并点击 </a:t>
             </a:r>
             <a:r>
               <a:rPr lang="en-US" altLang="zh-CN" sz="2000" dirty="0"/>
@@ -12735,7 +12606,7 @@
       </p:pic>
       <p:pic>
         <p:nvPicPr>
-          <p:cNvPr id="5" name="图片 4"/>
+          <p:cNvPr id="4" name="图片 3"/>
           <p:cNvPicPr>
             <a:picLocks noChangeAspect="1"/>
           </p:cNvPicPr>
@@ -12749,8 +12620,8 @@
         </p:blipFill>
         <p:spPr>
           <a:xfrm>
-            <a:off x="3622222" y="2319130"/>
-            <a:ext cx="4867275" cy="3810000"/>
+            <a:off x="3441838" y="2434672"/>
+            <a:ext cx="4857750" cy="3790950"/>
           </a:xfrm>
           <a:prstGeom prst="rect">
             <a:avLst/>
@@ -12760,7 +12631,7 @@
     </p:spTree>
     <p:extLst>
       <p:ext uri="{BB962C8B-B14F-4D97-AF65-F5344CB8AC3E}">
-        <p14:creationId xmlns:p14="http://schemas.microsoft.com/office/powerpoint/2010/main" val="826803034"/>
+        <p14:creationId xmlns:p14="http://schemas.microsoft.com/office/powerpoint/2010/main" val="4048432979"/>
       </p:ext>
     </p:extLst>
   </p:cSld>
@@ -12989,8 +12860,8 @@
         </p:nvSpPr>
         <p:spPr>
           <a:xfrm>
-            <a:off x="676105" y="990228"/>
-            <a:ext cx="10759510" cy="563231"/>
+            <a:off x="676105" y="1289569"/>
+            <a:ext cx="10759510" cy="630942"/>
           </a:xfrm>
           <a:prstGeom prst="rect">
             <a:avLst/>
@@ -13016,27 +12887,15 @@
             </a:pPr>
             <a:r>
               <a:rPr lang="zh-CN" altLang="en-US" sz="2000" dirty="0"/>
-              <a:t> 点击树形图标来选择你需要的安装模式 </a:t>
+              <a:t> 点击 </a:t>
             </a:r>
             <a:r>
               <a:rPr lang="en-US" altLang="zh-CN" sz="2000" dirty="0"/>
-              <a:t>, </a:t>
+              <a:t>Finish</a:t>
             </a:r>
             <a:r>
               <a:rPr lang="zh-CN" altLang="en-US" sz="2000" dirty="0"/>
-              <a:t>然后点击下一步 </a:t>
-            </a:r>
-            <a:r>
-              <a:rPr lang="en-US" altLang="zh-CN" sz="2000" dirty="0"/>
-              <a:t>next</a:t>
-            </a:r>
-            <a:r>
-              <a:rPr lang="zh-CN" altLang="en-US" sz="2000" dirty="0"/>
-              <a:t>（下一步</a:t>
-            </a:r>
-            <a:r>
-              <a:rPr lang="zh-CN" altLang="en-US" sz="2000" dirty="0" smtClean="0"/>
-              <a:t>：</a:t>
+              <a:t>（完成）按钮退出安装向导。</a:t>
             </a:r>
             <a:endParaRPr lang="en-US" altLang="zh-CN" sz="2000" dirty="0">
               <a:latin typeface="微软雅黑"/>
@@ -13078,7 +12937,7 @@
       </p:pic>
       <p:pic>
         <p:nvPicPr>
-          <p:cNvPr id="5" name="图片 4"/>
+          <p:cNvPr id="2" name="图片 1"/>
           <p:cNvPicPr>
             <a:picLocks noChangeAspect="1"/>
           </p:cNvPicPr>
@@ -13092,8 +12951,8 @@
         </p:blipFill>
         <p:spPr>
           <a:xfrm>
-            <a:off x="3594328" y="2305878"/>
-            <a:ext cx="4800600" cy="3810000"/>
+            <a:off x="3205990" y="2272860"/>
+            <a:ext cx="4905375" cy="3800475"/>
           </a:xfrm>
           <a:prstGeom prst="rect">
             <a:avLst/>
@@ -13103,7 +12962,7 @@
     </p:spTree>
     <p:extLst>
       <p:ext uri="{BB962C8B-B14F-4D97-AF65-F5344CB8AC3E}">
-        <p14:creationId xmlns:p14="http://schemas.microsoft.com/office/powerpoint/2010/main" val="3370839646"/>
+        <p14:creationId xmlns:p14="http://schemas.microsoft.com/office/powerpoint/2010/main" val="1319355253"/>
       </p:ext>
     </p:extLst>
   </p:cSld>
@@ -13332,7 +13191,7 @@
         </p:nvSpPr>
         <p:spPr>
           <a:xfrm>
-            <a:off x="676105" y="990228"/>
+            <a:off x="676105" y="1618496"/>
             <a:ext cx="10759510" cy="1169551"/>
           </a:xfrm>
           <a:prstGeom prst="rect">
@@ -13359,15 +13218,19 @@
             </a:pPr>
             <a:r>
               <a:rPr lang="zh-CN" altLang="en-US" sz="2000" dirty="0"/>
-              <a:t> 点击 </a:t>
+              <a:t> </a:t>
+            </a:r>
+            <a:r>
+              <a:rPr lang="zh-CN" altLang="en-US" sz="2000" dirty="0" smtClean="0"/>
+              <a:t>     检测</a:t>
             </a:r>
             <a:r>
               <a:rPr lang="en-US" altLang="zh-CN" sz="2000" dirty="0"/>
-              <a:t>Install</a:t>
+              <a:t>PATH</a:t>
             </a:r>
             <a:r>
               <a:rPr lang="zh-CN" altLang="en-US" sz="2000" dirty="0"/>
-              <a:t>（安装） 开始安装</a:t>
+              <a:t>环境变量是否配置了</a:t>
             </a:r>
             <a:r>
               <a:rPr lang="en-US" altLang="zh-CN" sz="2000" dirty="0"/>
@@ -13375,23 +13238,47 @@
             </a:r>
             <a:r>
               <a:rPr lang="zh-CN" altLang="en-US" sz="2000" dirty="0"/>
-              <a:t>。你也可以点击 </a:t>
+              <a:t>，点击开始</a:t>
             </a:r>
             <a:r>
               <a:rPr lang="en-US" altLang="zh-CN" sz="2000" dirty="0"/>
-              <a:t>Back</a:t>
+              <a:t>=》</a:t>
             </a:r>
             <a:r>
               <a:rPr lang="zh-CN" altLang="en-US" sz="2000" dirty="0"/>
-              <a:t>（返回）来修改先前的配置。 然后并点击 </a:t>
+              <a:t>运行</a:t>
             </a:r>
             <a:r>
               <a:rPr lang="en-US" altLang="zh-CN" sz="2000" dirty="0"/>
-              <a:t>next</a:t>
+              <a:t>=》</a:t>
             </a:r>
             <a:r>
               <a:rPr lang="zh-CN" altLang="en-US" sz="2000" dirty="0"/>
-              <a:t>（下一步）：</a:t>
+              <a:t>输入</a:t>
+            </a:r>
+            <a:r>
+              <a:rPr lang="en-US" altLang="zh-CN" sz="2000" dirty="0"/>
+              <a:t>"</a:t>
+            </a:r>
+            <a:r>
+              <a:rPr lang="en-US" altLang="zh-CN" sz="2000" dirty="0" err="1"/>
+              <a:t>cmd</a:t>
+            </a:r>
+            <a:r>
+              <a:rPr lang="en-US" altLang="zh-CN" sz="2000" dirty="0"/>
+              <a:t>" =&gt; </a:t>
+            </a:r>
+            <a:r>
+              <a:rPr lang="zh-CN" altLang="en-US" sz="2000" dirty="0"/>
+              <a:t>输入命令</a:t>
+            </a:r>
+            <a:r>
+              <a:rPr lang="en-US" altLang="zh-CN" sz="2000" dirty="0"/>
+              <a:t>"path"</a:t>
+            </a:r>
+            <a:r>
+              <a:rPr lang="zh-CN" altLang="en-US" sz="2000" dirty="0"/>
+              <a:t>，输出如下结果：</a:t>
             </a:r>
             <a:endParaRPr lang="en-US" altLang="zh-CN" sz="2000" dirty="0">
               <a:latin typeface="微软雅黑"/>
@@ -13433,7 +13320,7 @@
       </p:pic>
       <p:pic>
         <p:nvPicPr>
-          <p:cNvPr id="4" name="图片 3"/>
+          <p:cNvPr id="5" name="图片 4"/>
           <p:cNvPicPr>
             <a:picLocks noChangeAspect="1"/>
           </p:cNvPicPr>
@@ -13447,18 +13334,71 @@
         </p:blipFill>
         <p:spPr>
           <a:xfrm>
-            <a:off x="3441838" y="2434672"/>
-            <a:ext cx="4857750" cy="3790950"/>
+            <a:off x="1031422" y="3059273"/>
+            <a:ext cx="10048875" cy="1781175"/>
           </a:xfrm>
           <a:prstGeom prst="rect">
             <a:avLst/>
           </a:prstGeom>
         </p:spPr>
       </p:pic>
+      <p:sp>
+        <p:nvSpPr>
+          <p:cNvPr id="6" name="文本框 5"/>
+          <p:cNvSpPr txBox="1"/>
+          <p:nvPr/>
+        </p:nvSpPr>
+        <p:spPr>
+          <a:xfrm>
+            <a:off x="676105" y="5188716"/>
+            <a:ext cx="7980056" cy="564835"/>
+          </a:xfrm>
+          <a:prstGeom prst="rect">
+            <a:avLst/>
+          </a:prstGeom>
+          <a:noFill/>
+        </p:spPr>
+        <p:txBody>
+          <a:bodyPr wrap="square" rtlCol="0">
+            <a:spAutoFit/>
+          </a:bodyPr>
+          <a:lstStyle/>
+          <a:p>
+            <a:pPr algn="just" fontAlgn="base">
+              <a:lnSpc>
+                <a:spcPct val="175000"/>
+              </a:lnSpc>
+              <a:spcBef>
+                <a:spcPct val="0"/>
+              </a:spcBef>
+              <a:spcAft>
+                <a:spcPct val="0"/>
+              </a:spcAft>
+            </a:pPr>
+            <a:r>
+              <a:rPr lang="zh-CN" altLang="en-US" sz="2000" dirty="0"/>
+              <a:t>我们可以看到环境变量中已经包含了</a:t>
+            </a:r>
+            <a:r>
+              <a:rPr lang="en-US" altLang="zh-CN" sz="2000" dirty="0"/>
+              <a:t>C:\Program Files\</a:t>
+            </a:r>
+            <a:r>
+              <a:rPr lang="en-US" altLang="zh-CN" sz="2000" dirty="0" err="1"/>
+              <a:t>nodejs</a:t>
+            </a:r>
+            <a:r>
+              <a:rPr lang="en-US" altLang="zh-CN" sz="2000" dirty="0"/>
+              <a:t>\</a:t>
+            </a:r>
+            <a:endParaRPr lang="zh-CN" altLang="en-US" sz="2000" dirty="0"/>
+          </a:p>
+        </p:txBody>
+      </p:sp>
     </p:spTree>
     <p:extLst>
       <p:ext uri="{BB962C8B-B14F-4D97-AF65-F5344CB8AC3E}">
-        <p14:creationId xmlns:p14="http://schemas.microsoft.com/office/powerpoint/2010/main" val="4048432979"/>
+        <p14:creationId xmlns:p14="http://schemas.microsoft.com/office/powerpoint/2010/main" val="369785749"/>
       </p:ext>
     </p:extLst>
   </p:cSld>
@@ -13687,7 +13627,7 @@
         </p:nvSpPr>
         <p:spPr>
           <a:xfrm>
-            <a:off x="676105" y="1289569"/>
+            <a:off x="676105" y="1618496"/>
             <a:ext cx="10759510" cy="630942"/>
           </a:xfrm>
           <a:prstGeom prst="rect">
@@ -13714,15 +13654,15 @@
             </a:pPr>
             <a:r>
               <a:rPr lang="zh-CN" altLang="en-US" sz="2000" dirty="0"/>
-              <a:t> 点击 </a:t>
+              <a:t> 检查</a:t>
             </a:r>
             <a:r>
               <a:rPr lang="en-US" altLang="zh-CN" sz="2000" dirty="0"/>
-              <a:t>Finish</a:t>
+              <a:t>Node.js</a:t>
             </a:r>
             <a:r>
               <a:rPr lang="zh-CN" altLang="en-US" sz="2000" dirty="0"/>
-              <a:t>（完成）按钮退出安装向导。</a:t>
+              <a:t>版本</a:t>
             </a:r>
             <a:endParaRPr lang="en-US" altLang="zh-CN" sz="2000" dirty="0">
               <a:latin typeface="微软雅黑"/>
@@ -13778,8 +13718,8 @@
         </p:blipFill>
         <p:spPr>
           <a:xfrm>
-            <a:off x="3205990" y="2272860"/>
-            <a:ext cx="4905375" cy="3800475"/>
+            <a:off x="2136085" y="2743439"/>
+            <a:ext cx="7124700" cy="3095625"/>
           </a:xfrm>
           <a:prstGeom prst="rect">
             <a:avLst/>
@@ -13789,7 +13729,7 @@
     </p:spTree>
     <p:extLst>
       <p:ext uri="{BB962C8B-B14F-4D97-AF65-F5344CB8AC3E}">
-        <p14:creationId xmlns:p14="http://schemas.microsoft.com/office/powerpoint/2010/main" val="1319355253"/>
+        <p14:creationId xmlns:p14="http://schemas.microsoft.com/office/powerpoint/2010/main" val="1158639516"/>
       </p:ext>
     </p:extLst>
   </p:cSld>
@@ -14018,8 +13958,8 @@
         </p:nvSpPr>
         <p:spPr>
           <a:xfrm>
-            <a:off x="676105" y="1618496"/>
-            <a:ext cx="10759510" cy="1169551"/>
+            <a:off x="631851" y="1043975"/>
+            <a:ext cx="10759510" cy="630942"/>
           </a:xfrm>
           <a:prstGeom prst="rect">
             <a:avLst/>
@@ -14049,63 +13989,47 @@
             </a:r>
             <a:r>
               <a:rPr lang="zh-CN" altLang="en-US" sz="2000" dirty="0" smtClean="0"/>
-              <a:t>     检测</a:t>
-            </a:r>
-            <a:r>
-              <a:rPr lang="en-US" altLang="zh-CN" sz="2000" dirty="0"/>
-              <a:t>PATH</a:t>
+              <a:t>接下来</a:t>
+            </a:r>
+            <a:r>
+              <a:rPr lang="en-US" altLang="zh-CN" sz="2000" dirty="0" smtClean="0"/>
+              <a:t>,</a:t>
+            </a:r>
+            <a:r>
+              <a:rPr lang="zh-CN" altLang="en-US" sz="2000" dirty="0" smtClean="0"/>
+              <a:t>安装</a:t>
+            </a:r>
+            <a:r>
+              <a:rPr lang="en-US" altLang="zh-CN" sz="2000" dirty="0" err="1" smtClean="0"/>
+              <a:t>Vue</a:t>
+            </a:r>
+            <a:r>
+              <a:rPr lang="zh-CN" altLang="en-US" sz="2000" dirty="0" smtClean="0"/>
+              <a:t>脚手架</a:t>
+            </a:r>
+            <a:r>
+              <a:rPr lang="en-US" altLang="zh-CN" sz="2000" dirty="0" smtClean="0"/>
+              <a:t>(</a:t>
+            </a:r>
+            <a:r>
+              <a:rPr lang="en-US" altLang="zh-CN" sz="2000" dirty="0" err="1" smtClean="0"/>
+              <a:t>vue</a:t>
+            </a:r>
+            <a:r>
+              <a:rPr lang="en-US" altLang="zh-CN" sz="2000" dirty="0" smtClean="0"/>
+              <a:t>-cli),</a:t>
             </a:r>
             <a:r>
               <a:rPr lang="zh-CN" altLang="en-US" sz="2000" dirty="0"/>
-              <a:t>环境变量是否配置了</a:t>
-            </a:r>
-            <a:r>
-              <a:rPr lang="en-US" altLang="zh-CN" sz="2000" dirty="0"/>
-              <a:t>Node.js</a:t>
+              <a:t> </a:t>
+            </a:r>
+            <a:r>
+              <a:rPr lang="zh-CN" altLang="en-US" sz="2000" dirty="0" smtClean="0"/>
+              <a:t>可用</a:t>
             </a:r>
             <a:r>
               <a:rPr lang="zh-CN" altLang="en-US" sz="2000" dirty="0"/>
-              <a:t>，点击开始</a:t>
-            </a:r>
-            <a:r>
-              <a:rPr lang="en-US" altLang="zh-CN" sz="2000" dirty="0"/>
-              <a:t>=》</a:t>
-            </a:r>
-            <a:r>
-              <a:rPr lang="zh-CN" altLang="en-US" sz="2000" dirty="0"/>
-              <a:t>运行</a:t>
-            </a:r>
-            <a:r>
-              <a:rPr lang="en-US" altLang="zh-CN" sz="2000" dirty="0"/>
-              <a:t>=》</a:t>
-            </a:r>
-            <a:r>
-              <a:rPr lang="zh-CN" altLang="en-US" sz="2000" dirty="0"/>
-              <a:t>输入</a:t>
-            </a:r>
-            <a:r>
-              <a:rPr lang="en-US" altLang="zh-CN" sz="2000" dirty="0"/>
-              <a:t>"</a:t>
-            </a:r>
-            <a:r>
-              <a:rPr lang="en-US" altLang="zh-CN" sz="2000" dirty="0" err="1"/>
-              <a:t>cmd</a:t>
-            </a:r>
-            <a:r>
-              <a:rPr lang="en-US" altLang="zh-CN" sz="2000" dirty="0"/>
-              <a:t>" =&gt; </a:t>
-            </a:r>
-            <a:r>
-              <a:rPr lang="zh-CN" altLang="en-US" sz="2000" dirty="0"/>
-              <a:t>输入命令</a:t>
-            </a:r>
-            <a:r>
-              <a:rPr lang="en-US" altLang="zh-CN" sz="2000" dirty="0"/>
-              <a:t>"path"</a:t>
-            </a:r>
-            <a:r>
-              <a:rPr lang="zh-CN" altLang="en-US" sz="2000" dirty="0"/>
-              <a:t>，输出如下结果：</a:t>
+              <a:t>于快速搭建大型单页应用。</a:t>
             </a:r>
             <a:endParaRPr lang="en-US" altLang="zh-CN" sz="2000" dirty="0">
               <a:latin typeface="微软雅黑"/>
@@ -14147,7 +14071,7 @@
       </p:pic>
       <p:pic>
         <p:nvPicPr>
-          <p:cNvPr id="5" name="图片 4"/>
+          <p:cNvPr id="7" name="图片 6"/>
           <p:cNvPicPr>
             <a:picLocks noChangeAspect="1"/>
           </p:cNvPicPr>
@@ -14161,71 +14085,42 @@
         </p:blipFill>
         <p:spPr>
           <a:xfrm>
-            <a:off x="1031422" y="3059273"/>
-            <a:ext cx="10048875" cy="1781175"/>
+            <a:off x="2022702" y="1856603"/>
+            <a:ext cx="7943850" cy="1095375"/>
           </a:xfrm>
           <a:prstGeom prst="rect">
             <a:avLst/>
           </a:prstGeom>
         </p:spPr>
       </p:pic>
-      <p:sp>
-        <p:nvSpPr>
-          <p:cNvPr id="6" name="文本框 5"/>
-          <p:cNvSpPr txBox="1"/>
-          <p:nvPr/>
-        </p:nvSpPr>
-        <p:spPr>
-          <a:xfrm>
-            <a:off x="676105" y="5188716"/>
-            <a:ext cx="7980056" cy="564835"/>
+      <p:pic>
+        <p:nvPicPr>
+          <p:cNvPr id="8" name="图片 7"/>
+          <p:cNvPicPr>
+            <a:picLocks noChangeAspect="1"/>
+          </p:cNvPicPr>
+          <p:nvPr/>
+        </p:nvPicPr>
+        <p:blipFill>
+          <a:blip r:embed="rId5"/>
+          <a:stretch>
+            <a:fillRect/>
+          </a:stretch>
+        </p:blipFill>
+        <p:spPr>
+          <a:xfrm>
+            <a:off x="2030156" y="2956724"/>
+            <a:ext cx="7962900" cy="3543300"/>
           </a:xfrm>
           <a:prstGeom prst="rect">
             <a:avLst/>
           </a:prstGeom>
-          <a:noFill/>
-        </p:spPr>
-        <p:txBody>
-          <a:bodyPr wrap="square" rtlCol="0">
-            <a:spAutoFit/>
-          </a:bodyPr>
-          <a:lstStyle/>
-          <a:p>
-            <a:pPr algn="just" fontAlgn="base">
-              <a:lnSpc>
-                <a:spcPct val="175000"/>
-              </a:lnSpc>
-              <a:spcBef>
-                <a:spcPct val="0"/>
-              </a:spcBef>
-              <a:spcAft>
-                <a:spcPct val="0"/>
-              </a:spcAft>
-            </a:pPr>
-            <a:r>
-              <a:rPr lang="zh-CN" altLang="en-US" sz="2000" dirty="0"/>
-              <a:t>我们可以看到环境变量中已经包含了</a:t>
-            </a:r>
-            <a:r>
-              <a:rPr lang="en-US" altLang="zh-CN" sz="2000" dirty="0"/>
-              <a:t>C:\Program Files\</a:t>
-            </a:r>
-            <a:r>
-              <a:rPr lang="en-US" altLang="zh-CN" sz="2000" dirty="0" err="1"/>
-              <a:t>nodejs</a:t>
-            </a:r>
-            <a:r>
-              <a:rPr lang="en-US" altLang="zh-CN" sz="2000" dirty="0"/>
-              <a:t>\</a:t>
-            </a:r>
-            <a:endParaRPr lang="zh-CN" altLang="en-US" sz="2000" dirty="0"/>
-          </a:p>
-        </p:txBody>
-      </p:sp>
+        </p:spPr>
+      </p:pic>
     </p:spTree>
     <p:extLst>
       <p:ext uri="{BB962C8B-B14F-4D97-AF65-F5344CB8AC3E}">
-        <p14:creationId xmlns:p14="http://schemas.microsoft.com/office/powerpoint/2010/main" val="369785749"/>
+        <p14:creationId xmlns:p14="http://schemas.microsoft.com/office/powerpoint/2010/main" val="1972834469"/>
       </p:ext>
     </p:extLst>
   </p:cSld>
@@ -14454,7 +14349,7 @@
         </p:nvSpPr>
         <p:spPr>
           <a:xfrm>
-            <a:off x="676105" y="1618496"/>
+            <a:off x="627223" y="1716498"/>
             <a:ext cx="10759510" cy="630942"/>
           </a:xfrm>
           <a:prstGeom prst="rect">
@@ -14481,15 +14376,11 @@
             </a:pPr>
             <a:r>
               <a:rPr lang="zh-CN" altLang="en-US" sz="2000" dirty="0"/>
-              <a:t> 检查</a:t>
-            </a:r>
-            <a:r>
-              <a:rPr lang="en-US" altLang="zh-CN" sz="2000" dirty="0"/>
-              <a:t>Node.js</a:t>
-            </a:r>
-            <a:r>
-              <a:rPr lang="zh-CN" altLang="en-US" sz="2000" dirty="0"/>
-              <a:t>版本</a:t>
+              <a:t> 进入项目，安装并运行</a:t>
+            </a:r>
+            <a:r>
+              <a:rPr lang="zh-CN" altLang="en-US" sz="2000" dirty="0" smtClean="0"/>
+              <a:t>：</a:t>
             </a:r>
             <a:endParaRPr lang="en-US" altLang="zh-CN" sz="2000" dirty="0">
               <a:latin typeface="微软雅黑"/>
@@ -14545,8 +14436,8 @@
         </p:blipFill>
         <p:spPr>
           <a:xfrm>
-            <a:off x="2136085" y="2743439"/>
-            <a:ext cx="7124700" cy="3095625"/>
+            <a:off x="973883" y="3098601"/>
+            <a:ext cx="10039350" cy="2057400"/>
           </a:xfrm>
           <a:prstGeom prst="rect">
             <a:avLst/>
@@ -14556,7 +14447,7 @@
     </p:spTree>
     <p:extLst>
       <p:ext uri="{BB962C8B-B14F-4D97-AF65-F5344CB8AC3E}">
-        <p14:creationId xmlns:p14="http://schemas.microsoft.com/office/powerpoint/2010/main" val="1158639516"/>
+        <p14:creationId xmlns:p14="http://schemas.microsoft.com/office/powerpoint/2010/main" val="2660290704"/>
       </p:ext>
     </p:extLst>
   </p:cSld>
@@ -15890,724 +15781,6 @@
         </p:nvSpPr>
         <p:spPr>
           <a:xfrm>
-            <a:off x="631851" y="1043975"/>
-            <a:ext cx="10759510" cy="630942"/>
-          </a:xfrm>
-          <a:prstGeom prst="rect">
-            <a:avLst/>
-          </a:prstGeom>
-          <a:noFill/>
-        </p:spPr>
-        <p:txBody>
-          <a:bodyPr wrap="square" rtlCol="0">
-            <a:spAutoFit/>
-          </a:bodyPr>
-          <a:lstStyle/>
-          <a:p>
-            <a:pPr algn="just" fontAlgn="base">
-              <a:lnSpc>
-                <a:spcPct val="175000"/>
-              </a:lnSpc>
-              <a:spcBef>
-                <a:spcPct val="0"/>
-              </a:spcBef>
-              <a:spcAft>
-                <a:spcPct val="0"/>
-              </a:spcAft>
-            </a:pPr>
-            <a:r>
-              <a:rPr lang="zh-CN" altLang="en-US" sz="2000" dirty="0"/>
-              <a:t> </a:t>
-            </a:r>
-            <a:r>
-              <a:rPr lang="zh-CN" altLang="en-US" sz="2000" dirty="0" smtClean="0"/>
-              <a:t>接下来</a:t>
-            </a:r>
-            <a:r>
-              <a:rPr lang="en-US" altLang="zh-CN" sz="2000" dirty="0" smtClean="0"/>
-              <a:t>,</a:t>
-            </a:r>
-            <a:r>
-              <a:rPr lang="zh-CN" altLang="en-US" sz="2000" dirty="0" smtClean="0"/>
-              <a:t>安装</a:t>
-            </a:r>
-            <a:r>
-              <a:rPr lang="en-US" altLang="zh-CN" sz="2000" dirty="0" err="1" smtClean="0"/>
-              <a:t>Vue</a:t>
-            </a:r>
-            <a:r>
-              <a:rPr lang="zh-CN" altLang="en-US" sz="2000" dirty="0" smtClean="0"/>
-              <a:t>脚手架</a:t>
-            </a:r>
-            <a:r>
-              <a:rPr lang="en-US" altLang="zh-CN" sz="2000" dirty="0" smtClean="0"/>
-              <a:t>(</a:t>
-            </a:r>
-            <a:r>
-              <a:rPr lang="en-US" altLang="zh-CN" sz="2000" dirty="0" err="1" smtClean="0"/>
-              <a:t>vue</a:t>
-            </a:r>
-            <a:r>
-              <a:rPr lang="en-US" altLang="zh-CN" sz="2000" dirty="0" smtClean="0"/>
-              <a:t>-cli),</a:t>
-            </a:r>
-            <a:r>
-              <a:rPr lang="zh-CN" altLang="en-US" sz="2000" dirty="0"/>
-              <a:t> </a:t>
-            </a:r>
-            <a:r>
-              <a:rPr lang="zh-CN" altLang="en-US" sz="2000" dirty="0" smtClean="0"/>
-              <a:t>可用</a:t>
-            </a:r>
-            <a:r>
-              <a:rPr lang="zh-CN" altLang="en-US" sz="2000" dirty="0"/>
-              <a:t>于快速搭建大型单页应用。</a:t>
-            </a:r>
-            <a:endParaRPr lang="en-US" altLang="zh-CN" sz="2000" dirty="0">
-              <a:latin typeface="微软雅黑"/>
-              <a:ea typeface="Lantinghei SC Demibold" charset="-122"/>
-              <a:sym typeface="Gill Sans" charset="0"/>
-            </a:endParaRPr>
-          </a:p>
-        </p:txBody>
-      </p:sp>
-      <p:pic>
-        <p:nvPicPr>
-          <p:cNvPr id="3" name="图片 2"/>
-          <p:cNvPicPr>
-            <a:picLocks noChangeAspect="1"/>
-          </p:cNvPicPr>
-          <p:nvPr/>
-        </p:nvPicPr>
-        <p:blipFill>
-          <a:blip r:embed="rId3">
-            <a:extLst>
-              <a:ext uri="{28A0092B-C50C-407E-A947-70E740481C1C}">
-                <a14:useLocalDpi xmlns:a14="http://schemas.microsoft.com/office/drawing/2010/main" val="0"/>
-              </a:ext>
-            </a:extLst>
-          </a:blip>
-          <a:stretch>
-            <a:fillRect/>
-          </a:stretch>
-        </p:blipFill>
-        <p:spPr>
-          <a:xfrm>
-            <a:off x="11026653" y="149991"/>
-            <a:ext cx="817924" cy="749764"/>
-          </a:xfrm>
-          <a:prstGeom prst="rect">
-            <a:avLst/>
-          </a:prstGeom>
-        </p:spPr>
-      </p:pic>
-      <p:pic>
-        <p:nvPicPr>
-          <p:cNvPr id="7" name="图片 6"/>
-          <p:cNvPicPr>
-            <a:picLocks noChangeAspect="1"/>
-          </p:cNvPicPr>
-          <p:nvPr/>
-        </p:nvPicPr>
-        <p:blipFill>
-          <a:blip r:embed="rId4"/>
-          <a:stretch>
-            <a:fillRect/>
-          </a:stretch>
-        </p:blipFill>
-        <p:spPr>
-          <a:xfrm>
-            <a:off x="2022702" y="1856603"/>
-            <a:ext cx="7943850" cy="1095375"/>
-          </a:xfrm>
-          <a:prstGeom prst="rect">
-            <a:avLst/>
-          </a:prstGeom>
-        </p:spPr>
-      </p:pic>
-      <p:pic>
-        <p:nvPicPr>
-          <p:cNvPr id="8" name="图片 7"/>
-          <p:cNvPicPr>
-            <a:picLocks noChangeAspect="1"/>
-          </p:cNvPicPr>
-          <p:nvPr/>
-        </p:nvPicPr>
-        <p:blipFill>
-          <a:blip r:embed="rId5"/>
-          <a:stretch>
-            <a:fillRect/>
-          </a:stretch>
-        </p:blipFill>
-        <p:spPr>
-          <a:xfrm>
-            <a:off x="2030156" y="2956724"/>
-            <a:ext cx="7962900" cy="3543300"/>
-          </a:xfrm>
-          <a:prstGeom prst="rect">
-            <a:avLst/>
-          </a:prstGeom>
-        </p:spPr>
-      </p:pic>
-    </p:spTree>
-    <p:extLst>
-      <p:ext uri="{BB962C8B-B14F-4D97-AF65-F5344CB8AC3E}">
-        <p14:creationId xmlns:p14="http://schemas.microsoft.com/office/powerpoint/2010/main" val="1972834469"/>
-      </p:ext>
-    </p:extLst>
-  </p:cSld>
-  <p:clrMapOvr>
-    <a:masterClrMapping/>
-  </p:clrMapOvr>
-  <mc:AlternateContent xmlns:mc="http://schemas.openxmlformats.org/markup-compatibility/2006" xmlns:p14="http://schemas.microsoft.com/office/powerpoint/2010/main">
-    <mc:Choice Requires="p14">
-      <p:transition spd="slow" p14:dur="1600" advClick="0" advTm="3000">
-        <p:blinds dir="vert"/>
-      </p:transition>
-    </mc:Choice>
-    <mc:Fallback xmlns="">
-      <p:transition spd="slow" advClick="0" advTm="3000">
-        <p:blinds dir="vert"/>
-      </p:transition>
-    </mc:Fallback>
-  </mc:AlternateContent>
-  <p:timing>
-    <p:tnLst>
-      <p:par>
-        <p:cTn id="1" dur="indefinite" restart="never" nodeType="tmRoot"/>
-      </p:par>
-    </p:tnLst>
-  </p:timing>
-</p:sld>
-</file>
-
-<file path=ppt/slides/slide31.xml><?xml version="1.0" encoding="utf-8"?>
-<p:sld xmlns:a="http://schemas.openxmlformats.org/drawingml/2006/main" xmlns:r="http://schemas.openxmlformats.org/officeDocument/2006/relationships" xmlns:p="http://schemas.openxmlformats.org/presentationml/2006/main">
-  <p:cSld>
-    <p:spTree>
-      <p:nvGrpSpPr>
-        <p:cNvPr id="1" name=""/>
-        <p:cNvGrpSpPr/>
-        <p:nvPr/>
-      </p:nvGrpSpPr>
-      <p:grpSpPr>
-        <a:xfrm>
-          <a:off x="0" y="0"/>
-          <a:ext cx="0" cy="0"/>
-          <a:chOff x="0" y="0"/>
-          <a:chExt cx="0" cy="0"/>
-        </a:xfrm>
-      </p:grpSpPr>
-      <p:sp>
-        <p:nvSpPr>
-          <p:cNvPr id="15" name="矩形 14"/>
-          <p:cNvSpPr/>
-          <p:nvPr/>
-        </p:nvSpPr>
-        <p:spPr>
-          <a:xfrm>
-            <a:off x="0" y="342900"/>
-            <a:ext cx="171450" cy="571500"/>
-          </a:xfrm>
-          <a:prstGeom prst="rect">
-            <a:avLst/>
-          </a:prstGeom>
-          <a:solidFill>
-            <a:srgbClr val="0070C0"/>
-          </a:solidFill>
-          <a:ln>
-            <a:noFill/>
-          </a:ln>
-        </p:spPr>
-        <p:style>
-          <a:lnRef idx="2">
-            <a:schemeClr val="accent1">
-              <a:shade val="50000"/>
-            </a:schemeClr>
-          </a:lnRef>
-          <a:fillRef idx="1">
-            <a:schemeClr val="accent1"/>
-          </a:fillRef>
-          <a:effectRef idx="0">
-            <a:schemeClr val="accent1"/>
-          </a:effectRef>
-          <a:fontRef idx="minor">
-            <a:schemeClr val="lt1"/>
-          </a:fontRef>
-        </p:style>
-        <p:txBody>
-          <a:bodyPr rtlCol="0" anchor="ctr"/>
-          <a:lstStyle/>
-          <a:p>
-            <a:pPr algn="ctr"/>
-            <a:endParaRPr lang="zh-CN" altLang="en-US"/>
-          </a:p>
-        </p:txBody>
-      </p:sp>
-      <p:sp>
-        <p:nvSpPr>
-          <p:cNvPr id="16" name="文本框 15"/>
-          <p:cNvSpPr txBox="1"/>
-          <p:nvPr/>
-        </p:nvSpPr>
-        <p:spPr>
-          <a:xfrm>
-            <a:off x="338383" y="352445"/>
-            <a:ext cx="4043266" cy="584775"/>
-          </a:xfrm>
-          <a:prstGeom prst="rect">
-            <a:avLst/>
-          </a:prstGeom>
-          <a:noFill/>
-        </p:spPr>
-        <p:txBody>
-          <a:bodyPr wrap="square" rtlCol="0">
-            <a:spAutoFit/>
-          </a:bodyPr>
-          <a:lstStyle/>
-          <a:p>
-            <a:r>
-              <a:rPr lang="zh-CN" altLang="en-US" sz="3200" b="1" dirty="0">
-                <a:solidFill>
-                  <a:srgbClr val="0070C0"/>
-                </a:solidFill>
-                <a:latin typeface="微软雅黑" panose="020B0503020204020204" pitchFamily="34" charset="-122"/>
-                <a:ea typeface="微软雅黑" panose="020B0503020204020204" pitchFamily="34" charset="-122"/>
-              </a:rPr>
-              <a:t>准备工作</a:t>
-            </a:r>
-            <a:r>
-              <a:rPr lang="en-US" altLang="zh-CN" sz="3200" b="1" dirty="0">
-                <a:solidFill>
-                  <a:srgbClr val="0070C0"/>
-                </a:solidFill>
-                <a:latin typeface="微软雅黑" panose="020B0503020204020204" pitchFamily="34" charset="-122"/>
-                <a:ea typeface="微软雅黑" panose="020B0503020204020204" pitchFamily="34" charset="-122"/>
-              </a:rPr>
-              <a:t>-</a:t>
-            </a:r>
-            <a:r>
-              <a:rPr lang="zh-CN" altLang="en-US" sz="3200" b="1" dirty="0">
-                <a:solidFill>
-                  <a:srgbClr val="0070C0"/>
-                </a:solidFill>
-                <a:latin typeface="微软雅黑" panose="020B0503020204020204" pitchFamily="34" charset="-122"/>
-                <a:ea typeface="微软雅黑" panose="020B0503020204020204" pitchFamily="34" charset="-122"/>
-              </a:rPr>
-              <a:t>环境搭建</a:t>
-            </a:r>
-          </a:p>
-        </p:txBody>
-      </p:sp>
-      <p:cxnSp>
-        <p:nvCxnSpPr>
-          <p:cNvPr id="21" name="直接连接符 20"/>
-          <p:cNvCxnSpPr/>
-          <p:nvPr/>
-        </p:nvCxnSpPr>
-        <p:spPr>
-          <a:xfrm>
-            <a:off x="973883" y="5600700"/>
-            <a:ext cx="1612058" cy="1889203"/>
-          </a:xfrm>
-          <a:prstGeom prst="line">
-            <a:avLst/>
-          </a:prstGeom>
-          <a:ln w="12700">
-            <a:solidFill>
-              <a:schemeClr val="accent1">
-                <a:alpha val="21000"/>
-              </a:schemeClr>
-            </a:solidFill>
-          </a:ln>
-        </p:spPr>
-        <p:style>
-          <a:lnRef idx="1">
-            <a:schemeClr val="accent1"/>
-          </a:lnRef>
-          <a:fillRef idx="0">
-            <a:schemeClr val="accent1"/>
-          </a:fillRef>
-          <a:effectRef idx="0">
-            <a:schemeClr val="accent1"/>
-          </a:effectRef>
-          <a:fontRef idx="minor">
-            <a:schemeClr val="tx1"/>
-          </a:fontRef>
-        </p:style>
-      </p:cxnSp>
-      <p:cxnSp>
-        <p:nvCxnSpPr>
-          <p:cNvPr id="22" name="直接连接符 21"/>
-          <p:cNvCxnSpPr/>
-          <p:nvPr/>
-        </p:nvCxnSpPr>
-        <p:spPr>
-          <a:xfrm>
-            <a:off x="-2434804" y="899755"/>
-            <a:ext cx="4214716" cy="4939309"/>
-          </a:xfrm>
-          <a:prstGeom prst="line">
-            <a:avLst/>
-          </a:prstGeom>
-          <a:ln w="12700">
-            <a:solidFill>
-              <a:schemeClr val="accent1">
-                <a:alpha val="21000"/>
-              </a:schemeClr>
-            </a:solidFill>
-          </a:ln>
-        </p:spPr>
-        <p:style>
-          <a:lnRef idx="1">
-            <a:schemeClr val="accent1"/>
-          </a:lnRef>
-          <a:fillRef idx="0">
-            <a:schemeClr val="accent1"/>
-          </a:fillRef>
-          <a:effectRef idx="0">
-            <a:schemeClr val="accent1"/>
-          </a:effectRef>
-          <a:fontRef idx="minor">
-            <a:schemeClr val="tx1"/>
-          </a:fontRef>
-        </p:style>
-      </p:cxnSp>
-      <p:sp>
-        <p:nvSpPr>
-          <p:cNvPr id="24" name="文本框 23"/>
-          <p:cNvSpPr txBox="1"/>
-          <p:nvPr/>
-        </p:nvSpPr>
-        <p:spPr>
-          <a:xfrm>
-            <a:off x="627223" y="1716498"/>
-            <a:ext cx="10759510" cy="630942"/>
-          </a:xfrm>
-          <a:prstGeom prst="rect">
-            <a:avLst/>
-          </a:prstGeom>
-          <a:noFill/>
-        </p:spPr>
-        <p:txBody>
-          <a:bodyPr wrap="square" rtlCol="0">
-            <a:spAutoFit/>
-          </a:bodyPr>
-          <a:lstStyle/>
-          <a:p>
-            <a:pPr algn="just" fontAlgn="base">
-              <a:lnSpc>
-                <a:spcPct val="175000"/>
-              </a:lnSpc>
-              <a:spcBef>
-                <a:spcPct val="0"/>
-              </a:spcBef>
-              <a:spcAft>
-                <a:spcPct val="0"/>
-              </a:spcAft>
-            </a:pPr>
-            <a:r>
-              <a:rPr lang="zh-CN" altLang="en-US" sz="2000" dirty="0"/>
-              <a:t> 进入项目，安装并运行</a:t>
-            </a:r>
-            <a:r>
-              <a:rPr lang="zh-CN" altLang="en-US" sz="2000" dirty="0" smtClean="0"/>
-              <a:t>：</a:t>
-            </a:r>
-            <a:endParaRPr lang="en-US" altLang="zh-CN" sz="2000" dirty="0">
-              <a:latin typeface="微软雅黑"/>
-              <a:ea typeface="Lantinghei SC Demibold" charset="-122"/>
-              <a:sym typeface="Gill Sans" charset="0"/>
-            </a:endParaRPr>
-          </a:p>
-        </p:txBody>
-      </p:sp>
-      <p:pic>
-        <p:nvPicPr>
-          <p:cNvPr id="3" name="图片 2"/>
-          <p:cNvPicPr>
-            <a:picLocks noChangeAspect="1"/>
-          </p:cNvPicPr>
-          <p:nvPr/>
-        </p:nvPicPr>
-        <p:blipFill>
-          <a:blip r:embed="rId3">
-            <a:extLst>
-              <a:ext uri="{28A0092B-C50C-407E-A947-70E740481C1C}">
-                <a14:useLocalDpi xmlns:a14="http://schemas.microsoft.com/office/drawing/2010/main" val="0"/>
-              </a:ext>
-            </a:extLst>
-          </a:blip>
-          <a:stretch>
-            <a:fillRect/>
-          </a:stretch>
-        </p:blipFill>
-        <p:spPr>
-          <a:xfrm>
-            <a:off x="11026653" y="149991"/>
-            <a:ext cx="817924" cy="749764"/>
-          </a:xfrm>
-          <a:prstGeom prst="rect">
-            <a:avLst/>
-          </a:prstGeom>
-        </p:spPr>
-      </p:pic>
-      <p:pic>
-        <p:nvPicPr>
-          <p:cNvPr id="2" name="图片 1"/>
-          <p:cNvPicPr>
-            <a:picLocks noChangeAspect="1"/>
-          </p:cNvPicPr>
-          <p:nvPr/>
-        </p:nvPicPr>
-        <p:blipFill>
-          <a:blip r:embed="rId4"/>
-          <a:stretch>
-            <a:fillRect/>
-          </a:stretch>
-        </p:blipFill>
-        <p:spPr>
-          <a:xfrm>
-            <a:off x="973883" y="3098601"/>
-            <a:ext cx="10039350" cy="2057400"/>
-          </a:xfrm>
-          <a:prstGeom prst="rect">
-            <a:avLst/>
-          </a:prstGeom>
-        </p:spPr>
-      </p:pic>
-    </p:spTree>
-    <p:extLst>
-      <p:ext uri="{BB962C8B-B14F-4D97-AF65-F5344CB8AC3E}">
-        <p14:creationId xmlns:p14="http://schemas.microsoft.com/office/powerpoint/2010/main" val="2660290704"/>
-      </p:ext>
-    </p:extLst>
-  </p:cSld>
-  <p:clrMapOvr>
-    <a:masterClrMapping/>
-  </p:clrMapOvr>
-  <mc:AlternateContent xmlns:mc="http://schemas.openxmlformats.org/markup-compatibility/2006" xmlns:p14="http://schemas.microsoft.com/office/powerpoint/2010/main">
-    <mc:Choice Requires="p14">
-      <p:transition spd="slow" p14:dur="1600" advClick="0" advTm="3000">
-        <p:blinds dir="vert"/>
-      </p:transition>
-    </mc:Choice>
-    <mc:Fallback xmlns="">
-      <p:transition spd="slow" advClick="0" advTm="3000">
-        <p:blinds dir="vert"/>
-      </p:transition>
-    </mc:Fallback>
-  </mc:AlternateContent>
-  <p:timing>
-    <p:tnLst>
-      <p:par>
-        <p:cTn id="1" dur="indefinite" restart="never" nodeType="tmRoot"/>
-      </p:par>
-    </p:tnLst>
-  </p:timing>
-</p:sld>
-</file>
-
-<file path=ppt/slides/slide32.xml><?xml version="1.0" encoding="utf-8"?>
-<p:sld xmlns:a="http://schemas.openxmlformats.org/drawingml/2006/main" xmlns:r="http://schemas.openxmlformats.org/officeDocument/2006/relationships" xmlns:p="http://schemas.openxmlformats.org/presentationml/2006/main">
-  <p:cSld>
-    <p:spTree>
-      <p:nvGrpSpPr>
-        <p:cNvPr id="1" name=""/>
-        <p:cNvGrpSpPr/>
-        <p:nvPr/>
-      </p:nvGrpSpPr>
-      <p:grpSpPr>
-        <a:xfrm>
-          <a:off x="0" y="0"/>
-          <a:ext cx="0" cy="0"/>
-          <a:chOff x="0" y="0"/>
-          <a:chExt cx="0" cy="0"/>
-        </a:xfrm>
-      </p:grpSpPr>
-      <p:sp>
-        <p:nvSpPr>
-          <p:cNvPr id="15" name="矩形 14"/>
-          <p:cNvSpPr/>
-          <p:nvPr/>
-        </p:nvSpPr>
-        <p:spPr>
-          <a:xfrm>
-            <a:off x="0" y="342900"/>
-            <a:ext cx="171450" cy="571500"/>
-          </a:xfrm>
-          <a:prstGeom prst="rect">
-            <a:avLst/>
-          </a:prstGeom>
-          <a:solidFill>
-            <a:srgbClr val="0070C0"/>
-          </a:solidFill>
-          <a:ln>
-            <a:noFill/>
-          </a:ln>
-        </p:spPr>
-        <p:style>
-          <a:lnRef idx="2">
-            <a:schemeClr val="accent1">
-              <a:shade val="50000"/>
-            </a:schemeClr>
-          </a:lnRef>
-          <a:fillRef idx="1">
-            <a:schemeClr val="accent1"/>
-          </a:fillRef>
-          <a:effectRef idx="0">
-            <a:schemeClr val="accent1"/>
-          </a:effectRef>
-          <a:fontRef idx="minor">
-            <a:schemeClr val="lt1"/>
-          </a:fontRef>
-        </p:style>
-        <p:txBody>
-          <a:bodyPr rtlCol="0" anchor="ctr"/>
-          <a:lstStyle/>
-          <a:p>
-            <a:pPr algn="ctr"/>
-            <a:endParaRPr lang="zh-CN" altLang="en-US"/>
-          </a:p>
-        </p:txBody>
-      </p:sp>
-      <p:sp>
-        <p:nvSpPr>
-          <p:cNvPr id="16" name="文本框 15"/>
-          <p:cNvSpPr txBox="1"/>
-          <p:nvPr/>
-        </p:nvSpPr>
-        <p:spPr>
-          <a:xfrm>
-            <a:off x="338383" y="352445"/>
-            <a:ext cx="4043266" cy="584775"/>
-          </a:xfrm>
-          <a:prstGeom prst="rect">
-            <a:avLst/>
-          </a:prstGeom>
-          <a:noFill/>
-        </p:spPr>
-        <p:txBody>
-          <a:bodyPr wrap="square" rtlCol="0">
-            <a:spAutoFit/>
-          </a:bodyPr>
-          <a:lstStyle/>
-          <a:p>
-            <a:r>
-              <a:rPr lang="zh-CN" altLang="en-US" sz="3200" b="1" dirty="0">
-                <a:solidFill>
-                  <a:srgbClr val="0070C0"/>
-                </a:solidFill>
-                <a:latin typeface="微软雅黑" panose="020B0503020204020204" pitchFamily="34" charset="-122"/>
-                <a:ea typeface="微软雅黑" panose="020B0503020204020204" pitchFamily="34" charset="-122"/>
-              </a:rPr>
-              <a:t>准备工作</a:t>
-            </a:r>
-            <a:r>
-              <a:rPr lang="en-US" altLang="zh-CN" sz="3200" b="1" dirty="0">
-                <a:solidFill>
-                  <a:srgbClr val="0070C0"/>
-                </a:solidFill>
-                <a:latin typeface="微软雅黑" panose="020B0503020204020204" pitchFamily="34" charset="-122"/>
-                <a:ea typeface="微软雅黑" panose="020B0503020204020204" pitchFamily="34" charset="-122"/>
-              </a:rPr>
-              <a:t>-</a:t>
-            </a:r>
-            <a:r>
-              <a:rPr lang="zh-CN" altLang="en-US" sz="3200" b="1" dirty="0">
-                <a:solidFill>
-                  <a:srgbClr val="0070C0"/>
-                </a:solidFill>
-                <a:latin typeface="微软雅黑" panose="020B0503020204020204" pitchFamily="34" charset="-122"/>
-                <a:ea typeface="微软雅黑" panose="020B0503020204020204" pitchFamily="34" charset="-122"/>
-              </a:rPr>
-              <a:t>环境搭建</a:t>
-            </a:r>
-          </a:p>
-        </p:txBody>
-      </p:sp>
-      <p:cxnSp>
-        <p:nvCxnSpPr>
-          <p:cNvPr id="21" name="直接连接符 20"/>
-          <p:cNvCxnSpPr/>
-          <p:nvPr/>
-        </p:nvCxnSpPr>
-        <p:spPr>
-          <a:xfrm>
-            <a:off x="973883" y="5600700"/>
-            <a:ext cx="1612058" cy="1889203"/>
-          </a:xfrm>
-          <a:prstGeom prst="line">
-            <a:avLst/>
-          </a:prstGeom>
-          <a:ln w="12700">
-            <a:solidFill>
-              <a:schemeClr val="accent1">
-                <a:alpha val="21000"/>
-              </a:schemeClr>
-            </a:solidFill>
-          </a:ln>
-        </p:spPr>
-        <p:style>
-          <a:lnRef idx="1">
-            <a:schemeClr val="accent1"/>
-          </a:lnRef>
-          <a:fillRef idx="0">
-            <a:schemeClr val="accent1"/>
-          </a:fillRef>
-          <a:effectRef idx="0">
-            <a:schemeClr val="accent1"/>
-          </a:effectRef>
-          <a:fontRef idx="minor">
-            <a:schemeClr val="tx1"/>
-          </a:fontRef>
-        </p:style>
-      </p:cxnSp>
-      <p:cxnSp>
-        <p:nvCxnSpPr>
-          <p:cNvPr id="22" name="直接连接符 21"/>
-          <p:cNvCxnSpPr/>
-          <p:nvPr/>
-        </p:nvCxnSpPr>
-        <p:spPr>
-          <a:xfrm>
-            <a:off x="-2434804" y="899755"/>
-            <a:ext cx="4214716" cy="4939309"/>
-          </a:xfrm>
-          <a:prstGeom prst="line">
-            <a:avLst/>
-          </a:prstGeom>
-          <a:ln w="12700">
-            <a:solidFill>
-              <a:schemeClr val="accent1">
-                <a:alpha val="21000"/>
-              </a:schemeClr>
-            </a:solidFill>
-          </a:ln>
-        </p:spPr>
-        <p:style>
-          <a:lnRef idx="1">
-            <a:schemeClr val="accent1"/>
-          </a:lnRef>
-          <a:fillRef idx="0">
-            <a:schemeClr val="accent1"/>
-          </a:fillRef>
-          <a:effectRef idx="0">
-            <a:schemeClr val="accent1"/>
-          </a:effectRef>
-          <a:fontRef idx="minor">
-            <a:schemeClr val="tx1"/>
-          </a:fontRef>
-        </p:style>
-      </p:cxnSp>
-      <p:sp>
-        <p:nvSpPr>
-          <p:cNvPr id="24" name="文本框 23"/>
-          <p:cNvSpPr txBox="1"/>
-          <p:nvPr/>
-        </p:nvSpPr>
-        <p:spPr>
-          <a:xfrm>
             <a:off x="441693" y="1190625"/>
             <a:ext cx="10759510" cy="630942"/>
           </a:xfrm>
@@ -16743,7 +15916,7 @@
 </p:sld>
 </file>
 
-<file path=ppt/slides/slide33.xml><?xml version="1.0" encoding="utf-8"?>
+<file path=ppt/slides/slide31.xml><?xml version="1.0" encoding="utf-8"?>
 <p:sld xmlns:a="http://schemas.openxmlformats.org/drawingml/2006/main" xmlns:r="http://schemas.openxmlformats.org/officeDocument/2006/relationships" xmlns:p="http://schemas.openxmlformats.org/presentationml/2006/main">
   <p:cSld>
     <p:spTree>
@@ -18558,7 +17731,7 @@
         <p:spPr>
           <a:xfrm>
             <a:off x="731757" y="1301551"/>
-            <a:ext cx="10703858" cy="4785926"/>
+            <a:ext cx="10703858" cy="4324261"/>
           </a:xfrm>
           <a:prstGeom prst="rect">
             <a:avLst/>
@@ -18790,74 +17963,7 @@
                 <a:latin typeface="微软雅黑"/>
                 <a:ea typeface="微软雅黑"/>
               </a:rPr>
-              <a:t>小说详情功能</a:t>
-            </a:r>
-            <a:endParaRPr lang="en-US" altLang="zh-CN" sz="2000" dirty="0" smtClean="0">
-              <a:latin typeface="微软雅黑"/>
-              <a:ea typeface="微软雅黑"/>
-            </a:endParaRPr>
-          </a:p>
-          <a:p>
-            <a:pPr marL="0" lvl="2" algn="just" fontAlgn="base">
-              <a:lnSpc>
-                <a:spcPct val="150000"/>
-              </a:lnSpc>
-              <a:spcBef>
-                <a:spcPct val="0"/>
-              </a:spcBef>
-              <a:spcAft>
-                <a:spcPct val="0"/>
-              </a:spcAft>
-            </a:pPr>
-            <a:r>
-              <a:rPr lang="en-US" altLang="zh-CN" sz="2000" dirty="0">
-                <a:latin typeface="微软雅黑"/>
-                <a:ea typeface="微软雅黑"/>
-                <a:sym typeface="Gill Sans" charset="0"/>
-              </a:rPr>
-              <a:t>	</a:t>
-            </a:r>
-            <a:r>
-              <a:rPr lang="zh-CN" altLang="en-US" sz="2000" dirty="0" smtClean="0">
-                <a:latin typeface="微软雅黑"/>
-                <a:ea typeface="微软雅黑"/>
-                <a:sym typeface="Gill Sans" charset="0"/>
-              </a:rPr>
-              <a:t>小说阅读功能</a:t>
-            </a:r>
-            <a:endParaRPr lang="en-US" altLang="zh-CN" sz="2000" dirty="0" smtClean="0">
-              <a:latin typeface="微软雅黑"/>
-              <a:ea typeface="微软雅黑"/>
-              <a:sym typeface="Gill Sans" charset="0"/>
-            </a:endParaRPr>
-          </a:p>
-          <a:p>
-            <a:pPr marL="0" lvl="2" algn="just" fontAlgn="base">
-              <a:lnSpc>
-                <a:spcPct val="150000"/>
-              </a:lnSpc>
-              <a:spcBef>
-                <a:spcPct val="0"/>
-              </a:spcBef>
-              <a:spcAft>
-                <a:spcPct val="0"/>
-              </a:spcAft>
-            </a:pPr>
-            <a:r>
-              <a:rPr lang="en-US" altLang="zh-CN" sz="2000" dirty="0">
-                <a:latin typeface="微软雅黑"/>
-                <a:ea typeface="微软雅黑"/>
-                <a:sym typeface="Gill Sans" charset="0"/>
-              </a:rPr>
-              <a:t>	</a:t>
-            </a:r>
-            <a:r>
-              <a:rPr lang="zh-CN" altLang="en-US" sz="2000" dirty="0" smtClean="0">
-                <a:latin typeface="微软雅黑"/>
-                <a:ea typeface="微软雅黑"/>
-                <a:sym typeface="Gill Sans" charset="0"/>
-              </a:rPr>
-              <a:t>历史纪录功能</a:t>
+              <a:t>小说搜索列表功能</a:t>
             </a:r>
             <a:endParaRPr lang="en-US" altLang="zh-CN" sz="2000" dirty="0" smtClean="0">
               <a:latin typeface="微软雅黑"/>
@@ -18888,7 +17994,7 @@
                 <a:latin typeface="微软雅黑"/>
                 <a:ea typeface="微软雅黑"/>
               </a:rPr>
-              <a:t>夜间模式功能</a:t>
+              <a:t>小说分类列表功能</a:t>
             </a:r>
             <a:endParaRPr lang="en-US" altLang="zh-CN" sz="2000" dirty="0" smtClean="0">
               <a:latin typeface="微软雅黑"/>
@@ -18919,11 +18025,75 @@
                 <a:latin typeface="微软雅黑"/>
                 <a:ea typeface="微软雅黑"/>
               </a:rPr>
-              <a:t>章节倒叙查看功能</a:t>
+              <a:t>小说</a:t>
+            </a:r>
+            <a:r>
+              <a:rPr lang="zh-CN" altLang="en-US" sz="2000" dirty="0">
+                <a:latin typeface="微软雅黑"/>
+                <a:ea typeface="微软雅黑"/>
+              </a:rPr>
+              <a:t>详情</a:t>
+            </a:r>
+            <a:r>
+              <a:rPr lang="zh-CN" altLang="en-US" sz="2000" dirty="0" smtClean="0">
+                <a:latin typeface="微软雅黑"/>
+                <a:ea typeface="微软雅黑"/>
+              </a:rPr>
+              <a:t>功能</a:t>
             </a:r>
             <a:endParaRPr lang="en-US" altLang="zh-CN" sz="2000" dirty="0" smtClean="0">
               <a:latin typeface="微软雅黑"/>
               <a:ea typeface="微软雅黑"/>
+            </a:endParaRPr>
+          </a:p>
+          <a:p>
+            <a:pPr algn="just" fontAlgn="base">
+              <a:lnSpc>
+                <a:spcPct val="150000"/>
+              </a:lnSpc>
+              <a:spcBef>
+                <a:spcPct val="0"/>
+              </a:spcBef>
+              <a:spcAft>
+                <a:spcPct val="0"/>
+              </a:spcAft>
+            </a:pPr>
+            <a:r>
+              <a:rPr lang="en-US" altLang="zh-CN" sz="2000" dirty="0" smtClean="0">
+                <a:latin typeface="微软雅黑"/>
+                <a:ea typeface="微软雅黑"/>
+                <a:sym typeface="Gill Sans" charset="0"/>
+              </a:rPr>
+              <a:t>	</a:t>
+            </a:r>
+            <a:r>
+              <a:rPr lang="zh-CN" altLang="en-US" sz="2000" dirty="0" smtClean="0">
+                <a:latin typeface="微软雅黑"/>
+                <a:ea typeface="微软雅黑"/>
+                <a:sym typeface="Gill Sans" charset="0"/>
+              </a:rPr>
+              <a:t>小说</a:t>
+            </a:r>
+            <a:r>
+              <a:rPr lang="zh-CN" altLang="en-US" sz="2000" dirty="0">
+                <a:latin typeface="微软雅黑"/>
+                <a:ea typeface="微软雅黑"/>
+                <a:sym typeface="Gill Sans" charset="0"/>
+              </a:rPr>
+              <a:t>阅读</a:t>
+            </a:r>
+            <a:r>
+              <a:rPr lang="zh-CN" altLang="en-US" sz="2000" dirty="0" smtClean="0">
+                <a:latin typeface="微软雅黑"/>
+                <a:ea typeface="微软雅黑"/>
+                <a:sym typeface="Gill Sans" charset="0"/>
+              </a:rPr>
+              <a:t>功能</a:t>
+            </a:r>
+            <a:endParaRPr lang="en-US" altLang="zh-CN" sz="2000" dirty="0">
+              <a:latin typeface="微软雅黑"/>
+              <a:ea typeface="微软雅黑"/>
+              <a:sym typeface="Gill Sans" charset="0"/>
             </a:endParaRPr>
           </a:p>
         </p:txBody>
@@ -19206,7 +18376,7 @@
         <p:spPr>
           <a:xfrm>
             <a:off x="1779912" y="1456610"/>
-            <a:ext cx="10703858" cy="4785926"/>
+            <a:ext cx="10703858" cy="4324261"/>
           </a:xfrm>
           <a:prstGeom prst="rect">
             <a:avLst/>
@@ -19286,7 +18456,15 @@
                 <a:ea typeface="微软雅黑"/>
                 <a:sym typeface="Gill Sans" charset="0"/>
               </a:rPr>
-              <a:t>实现小说书架功能</a:t>
+              <a:t>实现小说书架功能（</a:t>
+            </a:r>
+            <a:r>
+              <a:rPr lang="en-US" altLang="zh-CN" sz="2000" dirty="0">
+                <a:latin typeface="微软雅黑"/>
+                <a:ea typeface="微软雅黑"/>
+                <a:sym typeface="Gill Sans" charset="0"/>
+              </a:rPr>
+              <a:t>4</a:t>
             </a:r>
             <a:r>
               <a:rPr lang="zh-CN" altLang="en-US" sz="2000" dirty="0" smtClean="0">
@@ -19294,31 +18472,7 @@
                 <a:ea typeface="微软雅黑"/>
                 <a:sym typeface="Gill Sans" charset="0"/>
               </a:rPr>
-              <a:t>（</a:t>
-            </a:r>
-            <a:r>
-              <a:rPr lang="en-US" altLang="zh-CN" sz="2000" dirty="0">
-                <a:latin typeface="微软雅黑"/>
-                <a:ea typeface="微软雅黑"/>
-                <a:sym typeface="Gill Sans" charset="0"/>
-              </a:rPr>
-              <a:t>4</a:t>
-            </a:r>
-            <a:r>
-              <a:rPr lang="zh-CN" altLang="en-US" sz="2000" dirty="0" smtClean="0">
-                <a:latin typeface="微软雅黑"/>
-                <a:ea typeface="微软雅黑"/>
-                <a:sym typeface="Gill Sans" charset="0"/>
-              </a:rPr>
-              <a:t>课时</a:t>
-            </a:r>
-            <a:r>
-              <a:rPr lang="zh-CN" altLang="en-US" sz="2000" dirty="0" smtClean="0">
-                <a:latin typeface="微软雅黑"/>
-                <a:ea typeface="微软雅黑"/>
-                <a:sym typeface="Gill Sans" charset="0"/>
-              </a:rPr>
-              <a:t>）</a:t>
+              <a:t>课时）</a:t>
             </a:r>
             <a:endParaRPr lang="en-US" altLang="zh-CN" sz="2000" dirty="0" smtClean="0">
               <a:latin typeface="微软雅黑"/>
@@ -19384,7 +18538,15 @@
                 <a:ea typeface="微软雅黑"/>
                 <a:sym typeface="Gill Sans" charset="0"/>
               </a:rPr>
-              <a:t>功能</a:t>
+              <a:t>功能（</a:t>
+            </a:r>
+            <a:r>
+              <a:rPr lang="en-US" altLang="zh-CN" sz="2000" dirty="0">
+                <a:latin typeface="微软雅黑"/>
+                <a:ea typeface="微软雅黑"/>
+                <a:sym typeface="Gill Sans" charset="0"/>
+              </a:rPr>
+              <a:t>3</a:t>
             </a:r>
             <a:r>
               <a:rPr lang="zh-CN" altLang="en-US" sz="2000" dirty="0" smtClean="0">
@@ -19392,31 +18554,7 @@
                 <a:ea typeface="微软雅黑"/>
                 <a:sym typeface="Gill Sans" charset="0"/>
               </a:rPr>
-              <a:t>（</a:t>
-            </a:r>
-            <a:r>
-              <a:rPr lang="en-US" altLang="zh-CN" sz="2000" dirty="0">
-                <a:latin typeface="微软雅黑"/>
-                <a:ea typeface="微软雅黑"/>
-                <a:sym typeface="Gill Sans" charset="0"/>
-              </a:rPr>
-              <a:t>3</a:t>
-            </a:r>
-            <a:r>
-              <a:rPr lang="zh-CN" altLang="en-US" sz="2000" dirty="0" smtClean="0">
-                <a:latin typeface="微软雅黑"/>
-                <a:ea typeface="微软雅黑"/>
-                <a:sym typeface="Gill Sans" charset="0"/>
-              </a:rPr>
-              <a:t>课时</a:t>
-            </a:r>
-            <a:r>
-              <a:rPr lang="zh-CN" altLang="en-US" sz="2000" dirty="0" smtClean="0">
-                <a:latin typeface="微软雅黑"/>
-                <a:ea typeface="微软雅黑"/>
-                <a:sym typeface="Gill Sans" charset="0"/>
-              </a:rPr>
-              <a:t>）</a:t>
+              <a:t>课时）</a:t>
             </a:r>
             <a:endParaRPr lang="en-US" altLang="zh-CN" sz="2000" dirty="0">
               <a:latin typeface="微软雅黑"/>
@@ -19466,15 +18604,7 @@
                 <a:ea typeface="微软雅黑"/>
                 <a:sym typeface="Gill Sans" charset="0"/>
               </a:rPr>
-              <a:t>实现小说排行功能</a:t>
-            </a:r>
-            <a:r>
-              <a:rPr lang="zh-CN" altLang="en-US" sz="2000" dirty="0" smtClean="0">
-                <a:latin typeface="微软雅黑"/>
-                <a:ea typeface="微软雅黑"/>
-                <a:sym typeface="Gill Sans" charset="0"/>
-              </a:rPr>
-              <a:t>（</a:t>
+              <a:t>实现小说排行功能（</a:t>
             </a:r>
             <a:r>
               <a:rPr lang="en-US" altLang="zh-CN" sz="2000" dirty="0">
@@ -19547,7 +18677,21 @@
                 <a:latin typeface="微软雅黑"/>
                 <a:ea typeface="微软雅黑"/>
               </a:rPr>
-              <a:t>实现小说搜索功能</a:t>
+              <a:t>实现</a:t>
+            </a:r>
+            <a:r>
+              <a:rPr lang="zh-CN" altLang="en-US" sz="2000" dirty="0" smtClean="0">
+                <a:latin typeface="微软雅黑"/>
+                <a:ea typeface="微软雅黑"/>
+              </a:rPr>
+              <a:t>小说搜索</a:t>
+            </a:r>
+            <a:r>
+              <a:rPr lang="zh-CN" altLang="en-US" sz="2000" dirty="0" smtClean="0">
+                <a:latin typeface="微软雅黑"/>
+                <a:ea typeface="微软雅黑"/>
+              </a:rPr>
+              <a:t>功能</a:t>
             </a:r>
             <a:r>
               <a:rPr lang="zh-CN" altLang="en-US" sz="2000" dirty="0" smtClean="0">
@@ -19563,7 +18707,7 @@
                 <a:ea typeface="微软雅黑"/>
                 <a:sym typeface="Gill Sans" charset="0"/>
               </a:rPr>
-              <a:t>4</a:t>
+              <a:t>6</a:t>
             </a:r>
             <a:r>
               <a:rPr lang="zh-CN" altLang="en-US" sz="2000" dirty="0" smtClean="0">
@@ -19629,7 +18773,14 @@
                 <a:ea typeface="微软雅黑"/>
                 <a:sym typeface="Gill Sans" charset="0"/>
               </a:rPr>
-              <a:t>实现小说详情功能</a:t>
+              <a:t>实现</a:t>
+            </a:r>
+            <a:r>
+              <a:rPr lang="zh-CN" altLang="en-US" sz="2000" dirty="0" smtClean="0">
+                <a:latin typeface="微软雅黑"/>
+                <a:ea typeface="微软雅黑"/>
+              </a:rPr>
+              <a:t>小说搜索列表</a:t>
             </a:r>
             <a:r>
               <a:rPr lang="zh-CN" altLang="en-US" sz="2000" dirty="0" smtClean="0">
@@ -19637,15 +18788,7 @@
                 <a:ea typeface="微软雅黑"/>
                 <a:sym typeface="Gill Sans" charset="0"/>
               </a:rPr>
-              <a:t>（</a:t>
-            </a:r>
-            <a:r>
-              <a:rPr lang="en-US" altLang="zh-CN" sz="2000" dirty="0" smtClean="0">
-                <a:latin typeface="微软雅黑"/>
-                <a:ea typeface="微软雅黑"/>
-                <a:sym typeface="Gill Sans" charset="0"/>
-              </a:rPr>
-              <a:t>3</a:t>
+              <a:t>功能</a:t>
             </a:r>
             <a:r>
               <a:rPr lang="zh-CN" altLang="en-US" sz="2000" dirty="0" smtClean="0">
@@ -19653,7 +18796,15 @@
                 <a:ea typeface="微软雅黑"/>
                 <a:sym typeface="Gill Sans" charset="0"/>
               </a:rPr>
-              <a:t>课时</a:t>
+              <a:t>（</a:t>
+            </a:r>
+            <a:r>
+              <a:rPr lang="en-US" altLang="zh-CN" sz="2000" dirty="0">
+                <a:latin typeface="微软雅黑"/>
+                <a:ea typeface="微软雅黑"/>
+                <a:sym typeface="Gill Sans" charset="0"/>
+              </a:rPr>
+              <a:t>5</a:t>
             </a:r>
             <a:r>
               <a:rPr lang="zh-CN" altLang="en-US" sz="2000" dirty="0" smtClean="0">
@@ -19661,7 +18812,7 @@
                 <a:ea typeface="微软雅黑"/>
                 <a:sym typeface="Gill Sans" charset="0"/>
               </a:rPr>
-              <a:t>）</a:t>
+              <a:t>课时）</a:t>
             </a:r>
             <a:endParaRPr lang="en-US" altLang="zh-CN" sz="2000" dirty="0" smtClean="0">
               <a:latin typeface="微软雅黑"/>
@@ -19703,7 +18854,7 @@
                 <a:ea typeface="微软雅黑"/>
                 <a:sym typeface="Gill Sans" charset="0"/>
               </a:rPr>
-              <a:t>实现小说阅读功能</a:t>
+              <a:t>实现</a:t>
             </a:r>
             <a:r>
               <a:rPr lang="zh-CN" altLang="en-US" sz="2000" dirty="0" smtClean="0">
@@ -19711,6 +18862,14 @@
                 <a:ea typeface="微软雅黑"/>
                 <a:sym typeface="Gill Sans" charset="0"/>
               </a:rPr>
+              <a:t>小说分类列表功能</a:t>
+            </a:r>
+            <a:r>
+              <a:rPr lang="zh-CN" altLang="en-US" sz="2000" dirty="0" smtClean="0">
+                <a:latin typeface="微软雅黑"/>
+                <a:ea typeface="微软雅黑"/>
+                <a:sym typeface="Gill Sans" charset="0"/>
+              </a:rPr>
               <a:t>（</a:t>
             </a:r>
             <a:r>
@@ -19727,15 +18886,7 @@
                 <a:ea typeface="微软雅黑"/>
                 <a:sym typeface="Gill Sans" charset="0"/>
               </a:rPr>
-              <a:t>课时</a:t>
-            </a:r>
-            <a:r>
-              <a:rPr lang="zh-CN" altLang="en-US" sz="2000" dirty="0" smtClean="0">
-                <a:latin typeface="微软雅黑"/>
-                <a:ea typeface="微软雅黑"/>
-                <a:sym typeface="Gill Sans" charset="0"/>
-              </a:rPr>
-              <a:t>）</a:t>
+              <a:t>课时）</a:t>
             </a:r>
             <a:endParaRPr lang="en-US" altLang="zh-CN" sz="2000" dirty="0">
               <a:latin typeface="微软雅黑"/>
@@ -19785,7 +18936,7 @@
                 <a:ea typeface="微软雅黑"/>
                 <a:sym typeface="Gill Sans" charset="0"/>
               </a:rPr>
-              <a:t>实现小说历史纪录功能</a:t>
+              <a:t>实现</a:t>
             </a:r>
             <a:r>
               <a:rPr lang="zh-CN" altLang="en-US" sz="2000" dirty="0" smtClean="0">
@@ -19793,15 +18944,23 @@
                 <a:ea typeface="微软雅黑"/>
                 <a:sym typeface="Gill Sans" charset="0"/>
               </a:rPr>
-              <a:t>（</a:t>
-            </a:r>
-            <a:r>
-              <a:rPr lang="en-US" altLang="zh-CN" sz="2000" dirty="0" smtClean="0">
+              <a:t>小说详情功能</a:t>
+            </a:r>
+            <a:r>
+              <a:rPr lang="zh-CN" altLang="en-US" sz="2000" dirty="0" smtClean="0">
                 <a:latin typeface="微软雅黑"/>
                 <a:ea typeface="微软雅黑"/>
                 <a:sym typeface="Gill Sans" charset="0"/>
               </a:rPr>
-              <a:t>3</a:t>
+              <a:t>（</a:t>
+            </a:r>
+            <a:r>
+              <a:rPr lang="en-US" altLang="zh-CN" sz="2000" dirty="0">
+                <a:latin typeface="微软雅黑"/>
+                <a:ea typeface="微软雅黑"/>
+                <a:sym typeface="Gill Sans" charset="0"/>
+              </a:rPr>
+              <a:t>5</a:t>
             </a:r>
             <a:r>
               <a:rPr lang="zh-CN" altLang="en-US" sz="2000" dirty="0" smtClean="0">
@@ -19865,9 +19024,8 @@
               <a:rPr lang="zh-CN" altLang="en-US" sz="2000" dirty="0" smtClean="0">
                 <a:latin typeface="微软雅黑"/>
                 <a:ea typeface="微软雅黑"/>
-                <a:sym typeface="Gill Sans" charset="0"/>
-              </a:rPr>
-              <a:t>实现小说夜间阅读模式功能</a:t>
+              </a:rPr>
+              <a:t>实现小说阅读功能</a:t>
             </a:r>
             <a:r>
               <a:rPr lang="zh-CN" altLang="en-US" sz="2000" dirty="0" smtClean="0">
@@ -19883,7 +19041,7 @@
                 <a:ea typeface="微软雅黑"/>
                 <a:sym typeface="Gill Sans" charset="0"/>
               </a:rPr>
-              <a:t>4</a:t>
+              <a:t>5</a:t>
             </a:r>
             <a:r>
               <a:rPr lang="zh-CN" altLang="en-US" sz="2000" dirty="0" smtClean="0">
@@ -19891,96 +19049,7 @@
                 <a:ea typeface="微软雅黑"/>
                 <a:sym typeface="Gill Sans" charset="0"/>
               </a:rPr>
-              <a:t>课时</a:t>
-            </a:r>
-            <a:r>
-              <a:rPr lang="zh-CN" altLang="en-US" sz="2000" dirty="0">
-                <a:latin typeface="微软雅黑"/>
-                <a:ea typeface="微软雅黑"/>
-                <a:sym typeface="Gill Sans" charset="0"/>
-              </a:rPr>
-              <a:t>）</a:t>
-            </a:r>
-            <a:endParaRPr lang="en-US" altLang="zh-CN" sz="2000" dirty="0">
-              <a:latin typeface="微软雅黑"/>
-              <a:ea typeface="微软雅黑"/>
-              <a:sym typeface="Gill Sans" charset="0"/>
-            </a:endParaRPr>
-          </a:p>
-          <a:p>
-            <a:pPr algn="just" fontAlgn="base">
-              <a:lnSpc>
-                <a:spcPct val="150000"/>
-              </a:lnSpc>
-              <a:spcBef>
-                <a:spcPct val="0"/>
-              </a:spcBef>
-              <a:spcAft>
-                <a:spcPct val="0"/>
-              </a:spcAft>
-            </a:pPr>
-            <a:r>
-              <a:rPr lang="en-US" altLang="zh-CN" sz="2000" dirty="0">
-                <a:latin typeface="微软雅黑"/>
-                <a:ea typeface="微软雅黑"/>
-                <a:sym typeface="Gill Sans" charset="0"/>
-              </a:rPr>
-              <a:t>	</a:t>
-            </a:r>
-            <a:r>
-              <a:rPr lang="en-US" altLang="zh-CN" sz="2000" dirty="0" smtClean="0">
-                <a:latin typeface="微软雅黑"/>
-                <a:ea typeface="微软雅黑"/>
-                <a:sym typeface="Gill Sans" charset="0"/>
-              </a:rPr>
-              <a:t>09</a:t>
-            </a:r>
-            <a:r>
-              <a:rPr lang="en-US" altLang="zh-CN" sz="2000" dirty="0">
-                <a:latin typeface="微软雅黑"/>
-                <a:ea typeface="微软雅黑"/>
-                <a:sym typeface="Gill Sans" charset="0"/>
-              </a:rPr>
-              <a:t>	</a:t>
-            </a:r>
-            <a:r>
-              <a:rPr lang="zh-CN" altLang="en-US" sz="2000" dirty="0" smtClean="0">
-                <a:latin typeface="微软雅黑"/>
-                <a:ea typeface="微软雅黑"/>
-              </a:rPr>
-              <a:t>实现章节倒叙查看功能</a:t>
-            </a:r>
-            <a:r>
-              <a:rPr lang="zh-CN" altLang="en-US" sz="2000" dirty="0" smtClean="0">
-                <a:latin typeface="微软雅黑"/>
-                <a:ea typeface="微软雅黑"/>
-                <a:sym typeface="Gill Sans" charset="0"/>
-              </a:rPr>
-              <a:t>（</a:t>
-            </a:r>
-            <a:r>
-              <a:rPr lang="en-US" altLang="zh-CN" sz="2000" dirty="0" smtClean="0">
-                <a:latin typeface="微软雅黑"/>
-                <a:ea typeface="微软雅黑"/>
-                <a:sym typeface="Gill Sans" charset="0"/>
-              </a:rPr>
-              <a:t>4</a:t>
-            </a:r>
-            <a:r>
-              <a:rPr lang="zh-CN" altLang="en-US" sz="2000" dirty="0" smtClean="0">
-                <a:latin typeface="微软雅黑"/>
-                <a:ea typeface="微软雅黑"/>
-                <a:sym typeface="Gill Sans" charset="0"/>
-              </a:rPr>
-              <a:t>课时</a:t>
-            </a:r>
-            <a:r>
-              <a:rPr lang="zh-CN" altLang="en-US" sz="2000" dirty="0" smtClean="0">
-                <a:latin typeface="微软雅黑"/>
-                <a:ea typeface="微软雅黑"/>
-                <a:sym typeface="Gill Sans" charset="0"/>
-              </a:rPr>
-              <a:t>）</a:t>
+              <a:t>课时）</a:t>
             </a:r>
             <a:endParaRPr lang="en-US" altLang="zh-CN" sz="2000" dirty="0">
               <a:latin typeface="微软雅黑"/>
